--- a/Automated PIN Cracking.pptx
+++ b/Automated PIN Cracking.pptx
@@ -5,7 +5,7 @@
     <p:sldMasterId id="2147483648" r:id="rId1"/>
   </p:sldMasterIdLst>
   <p:notesMasterIdLst>
-    <p:notesMasterId r:id="rId26"/>
+    <p:notesMasterId r:id="rId27"/>
   </p:notesMasterIdLst>
   <p:sldIdLst>
     <p:sldId id="256" r:id="rId2"/>
@@ -23,15 +23,16 @@
     <p:sldId id="273" r:id="rId14"/>
     <p:sldId id="274" r:id="rId15"/>
     <p:sldId id="275" r:id="rId16"/>
-    <p:sldId id="277" r:id="rId17"/>
-    <p:sldId id="284" r:id="rId18"/>
-    <p:sldId id="276" r:id="rId19"/>
-    <p:sldId id="278" r:id="rId20"/>
-    <p:sldId id="279" r:id="rId21"/>
-    <p:sldId id="280" r:id="rId22"/>
+    <p:sldId id="289" r:id="rId17"/>
+    <p:sldId id="290" r:id="rId18"/>
+    <p:sldId id="277" r:id="rId19"/>
+    <p:sldId id="284" r:id="rId20"/>
+    <p:sldId id="276" r:id="rId21"/>
+    <p:sldId id="278" r:id="rId22"/>
     <p:sldId id="281" r:id="rId23"/>
-    <p:sldId id="282" r:id="rId24"/>
-    <p:sldId id="283" r:id="rId25"/>
+    <p:sldId id="291" r:id="rId24"/>
+    <p:sldId id="282" r:id="rId25"/>
+    <p:sldId id="283" r:id="rId26"/>
   </p:sldIdLst>
   <p:sldSz cx="9144000" cy="6858000" type="screen4x3"/>
   <p:notesSz cx="6858000" cy="9144000"/>
@@ -30190,11 +30191,11 @@
         </c:dLbls>
         <c:marker val="1"/>
         <c:smooth val="0"/>
-        <c:axId val="87635456"/>
-        <c:axId val="93416256"/>
+        <c:axId val="113674752"/>
+        <c:axId val="113533504"/>
       </c:lineChart>
       <c:catAx>
-        <c:axId val="87635456"/>
+        <c:axId val="113674752"/>
         <c:scaling>
           <c:orientation val="minMax"/>
         </c:scaling>
@@ -30228,7 +30229,7 @@
         <c:majorTickMark val="in"/>
         <c:minorTickMark val="none"/>
         <c:tickLblPos val="nextTo"/>
-        <c:crossAx val="93416256"/>
+        <c:crossAx val="113533504"/>
         <c:crosses val="autoZero"/>
         <c:auto val="1"/>
         <c:lblAlgn val="ctr"/>
@@ -30238,7 +30239,7 @@
         <c:noMultiLvlLbl val="0"/>
       </c:catAx>
       <c:valAx>
-        <c:axId val="93416256"/>
+        <c:axId val="113533504"/>
         <c:scaling>
           <c:orientation val="minMax"/>
           <c:max val="1"/>
@@ -30274,7 +30275,7 @@
         <c:majorTickMark val="out"/>
         <c:minorTickMark val="none"/>
         <c:tickLblPos val="nextTo"/>
-        <c:crossAx val="87635456"/>
+        <c:crossAx val="113674752"/>
         <c:crosses val="autoZero"/>
         <c:crossBetween val="between"/>
       </c:valAx>
@@ -30667,7 +30668,7 @@
           <a:p>
             <a:fld id="{554E34B3-E155-47E4-AF6E-B183099F8DE6}" type="datetimeFigureOut">
               <a:rPr lang="en-US" smtClean="0"/>
-              <a:t>8/1/2013</a:t>
+              <a:t>8/2/2013</a:t>
             </a:fld>
             <a:endParaRPr lang="en-US"/>
           </a:p>
@@ -31308,7 +31309,7 @@
           <a:p>
             <a:fld id="{DAA86936-E1A1-4365-85F9-CA67DE8D6AE3}" type="datetimeFigureOut">
               <a:rPr lang="en-US" smtClean="0"/>
-              <a:t>8/1/2013</a:t>
+              <a:t>8/2/2013</a:t>
             </a:fld>
             <a:endParaRPr lang="en-US"/>
           </a:p>
@@ -31513,7 +31514,7 @@
           <a:p>
             <a:fld id="{DAA86936-E1A1-4365-85F9-CA67DE8D6AE3}" type="datetimeFigureOut">
               <a:rPr lang="en-US" smtClean="0"/>
-              <a:t>8/1/2013</a:t>
+              <a:t>8/2/2013</a:t>
             </a:fld>
             <a:endParaRPr lang="en-US"/>
           </a:p>
@@ -31782,7 +31783,7 @@
           <a:p>
             <a:fld id="{DAA86936-E1A1-4365-85F9-CA67DE8D6AE3}" type="datetimeFigureOut">
               <a:rPr lang="en-US" smtClean="0"/>
-              <a:t>8/1/2013</a:t>
+              <a:t>8/2/2013</a:t>
             </a:fld>
             <a:endParaRPr lang="en-US"/>
           </a:p>
@@ -32172,7 +32173,7 @@
           <a:p>
             <a:fld id="{DAA86936-E1A1-4365-85F9-CA67DE8D6AE3}" type="datetimeFigureOut">
               <a:rPr lang="en-US" smtClean="0"/>
-              <a:t>8/1/2013</a:t>
+              <a:t>8/2/2013</a:t>
             </a:fld>
             <a:endParaRPr lang="en-US"/>
           </a:p>
@@ -33343,7 +33344,7 @@
           <a:p>
             <a:fld id="{DAA86936-E1A1-4365-85F9-CA67DE8D6AE3}" type="datetimeFigureOut">
               <a:rPr lang="en-US" smtClean="0"/>
-              <a:t>8/1/2013</a:t>
+              <a:t>8/2/2013</a:t>
             </a:fld>
             <a:endParaRPr lang="en-US"/>
           </a:p>
@@ -33964,11 +33965,7 @@
           <a:p>
             <a:r>
               <a:rPr lang="en-US" dirty="0" smtClean="0"/>
-              <a:t>Fairly simple motion </a:t>
-            </a:r>
-            <a:r>
-              <a:rPr lang="en-US" dirty="0" smtClean="0"/>
-              <a:t>control</a:t>
+              <a:t>Fairly simple motion control</a:t>
             </a:r>
             <a:endParaRPr lang="en-US" dirty="0"/>
           </a:p>
@@ -34039,7 +34036,6 @@
               <a:rPr lang="en-US" dirty="0"/>
               <a:t>*</a:t>
             </a:r>
-            <a:endParaRPr lang="en-US" dirty="0"/>
           </a:p>
         </p:txBody>
       </p:sp>
@@ -34798,11 +34794,7 @@
           <a:p>
             <a:r>
               <a:rPr lang="en-US" dirty="0" smtClean="0"/>
-              <a:t>A camera was added to allow easier user interface with the robot to set up the PIN cracking </a:t>
-            </a:r>
-            <a:r>
-              <a:rPr lang="en-US" dirty="0" smtClean="0"/>
-              <a:t>task</a:t>
+              <a:t>A camera was added to allow easier user interface with the robot to set up the PIN cracking task</a:t>
             </a:r>
           </a:p>
           <a:p>
@@ -34811,7 +34803,6 @@
               <a:rPr lang="en-US" dirty="0" smtClean="0"/>
               <a:t>And recognize when the device is unlocked!</a:t>
             </a:r>
-            <a:endParaRPr lang="en-US" dirty="0" smtClean="0"/>
           </a:p>
           <a:p>
             <a:r>
@@ -34974,6 +34965,216 @@
         <p:spPr/>
         <p:txBody>
           <a:bodyPr>
+            <a:noAutofit/>
+          </a:bodyPr>
+          <a:lstStyle/>
+          <a:p>
+            <a:r>
+              <a:rPr lang="en-US" sz="3200" dirty="0" smtClean="0"/>
+              <a:t>Capacitive Cartesian Coordinate </a:t>
+            </a:r>
+            <a:r>
+              <a:rPr lang="en-US" sz="3200" dirty="0" err="1" smtClean="0"/>
+              <a:t>Bruteforcing</a:t>
+            </a:r>
+            <a:r>
+              <a:rPr lang="en-US" sz="3200" dirty="0" smtClean="0"/>
+              <a:t> Overlay (C3BO)</a:t>
+            </a:r>
+            <a:endParaRPr lang="en-US" sz="3200" dirty="0"/>
+          </a:p>
+        </p:txBody>
+      </p:sp>
+      <p:sp>
+        <p:nvSpPr>
+          <p:cNvPr id="3" name="Content Placeholder 2"/>
+          <p:cNvSpPr>
+            <a:spLocks noGrp="1"/>
+          </p:cNvSpPr>
+          <p:nvPr>
+            <p:ph sz="quarter" idx="13"/>
+          </p:nvPr>
+        </p:nvSpPr>
+        <p:spPr/>
+        <p:txBody>
+          <a:bodyPr>
+            <a:normAutofit fontScale="92500" lnSpcReduction="10000"/>
+          </a:bodyPr>
+          <a:lstStyle/>
+          <a:p>
+            <a:r>
+              <a:rPr lang="en-US" dirty="0" smtClean="0"/>
+              <a:t>Attach a grid of electrodes to the device’s virtual keyboard</a:t>
+            </a:r>
+          </a:p>
+          <a:p>
+            <a:r>
+              <a:rPr lang="en-US" dirty="0" smtClean="0"/>
+              <a:t>Trigger electrodes via an </a:t>
+            </a:r>
+            <a:r>
+              <a:rPr lang="en-US" dirty="0" err="1" smtClean="0"/>
+              <a:t>Arduino</a:t>
+            </a:r>
+            <a:r>
+              <a:rPr lang="en-US" dirty="0" smtClean="0"/>
+              <a:t> to trick the device into thinking the screen was touched at that point</a:t>
+            </a:r>
+          </a:p>
+          <a:p>
+            <a:r>
+              <a:rPr lang="en-US" dirty="0" smtClean="0"/>
+              <a:t>No mechanical motion = faster button pressing</a:t>
+            </a:r>
+          </a:p>
+          <a:p>
+            <a:r>
+              <a:rPr lang="en-US" dirty="0" smtClean="0"/>
+              <a:t>More user configuration required to manually place the electrodes</a:t>
+            </a:r>
+            <a:endParaRPr lang="en-US" dirty="0"/>
+          </a:p>
+        </p:txBody>
+      </p:sp>
+    </p:spTree>
+    <p:extLst>
+      <p:ext uri="{BB962C8B-B14F-4D97-AF65-F5344CB8AC3E}">
+        <p14:creationId xmlns:p14="http://schemas.microsoft.com/office/powerpoint/2010/main" val="632377277"/>
+      </p:ext>
+    </p:extLst>
+  </p:cSld>
+  <p:clrMapOvr>
+    <a:masterClrMapping/>
+  </p:clrMapOvr>
+  <p:timing>
+    <p:tnLst>
+      <p:par>
+        <p:cTn id="1" dur="indefinite" restart="never" nodeType="tmRoot"/>
+      </p:par>
+    </p:tnLst>
+  </p:timing>
+</p:sld>
+</file>
+
+<file path=ppt/slides/slide17.xml><?xml version="1.0" encoding="utf-8"?>
+<p:sld xmlns:a="http://schemas.openxmlformats.org/drawingml/2006/main" xmlns:r="http://schemas.openxmlformats.org/officeDocument/2006/relationships" xmlns:p="http://schemas.openxmlformats.org/presentationml/2006/main">
+  <p:cSld>
+    <p:spTree>
+      <p:nvGrpSpPr>
+        <p:cNvPr id="1" name=""/>
+        <p:cNvGrpSpPr/>
+        <p:nvPr/>
+      </p:nvGrpSpPr>
+      <p:grpSpPr>
+        <a:xfrm>
+          <a:off x="0" y="0"/>
+          <a:ext cx="0" cy="0"/>
+          <a:chOff x="0" y="0"/>
+          <a:chExt cx="0" cy="0"/>
+        </a:xfrm>
+      </p:grpSpPr>
+      <p:sp>
+        <p:nvSpPr>
+          <p:cNvPr id="2" name="Title 1"/>
+          <p:cNvSpPr>
+            <a:spLocks noGrp="1"/>
+          </p:cNvSpPr>
+          <p:nvPr>
+            <p:ph type="title"/>
+          </p:nvPr>
+        </p:nvSpPr>
+        <p:spPr/>
+        <p:txBody>
+          <a:bodyPr/>
+          <a:lstStyle/>
+          <a:p>
+            <a:r>
+              <a:rPr lang="en-US" dirty="0" smtClean="0"/>
+              <a:t>C3BO continued</a:t>
+            </a:r>
+            <a:endParaRPr lang="en-US" dirty="0"/>
+          </a:p>
+        </p:txBody>
+      </p:sp>
+      <p:sp>
+        <p:nvSpPr>
+          <p:cNvPr id="3" name="Content Placeholder 2"/>
+          <p:cNvSpPr>
+            <a:spLocks noGrp="1"/>
+          </p:cNvSpPr>
+          <p:nvPr>
+            <p:ph sz="quarter" idx="13"/>
+          </p:nvPr>
+        </p:nvSpPr>
+        <p:spPr/>
+        <p:txBody>
+          <a:bodyPr/>
+          <a:lstStyle/>
+          <a:p>
+            <a:r>
+              <a:rPr lang="en-US" dirty="0" smtClean="0"/>
+              <a:t>Cheaper than R2B2 ( ~ $50)</a:t>
+            </a:r>
+          </a:p>
+          <a:p>
+            <a:r>
+              <a:rPr lang="en-US" dirty="0" smtClean="0"/>
+              <a:t>Nearly the same software for controlling/detecting device state changes with camera</a:t>
+            </a:r>
+            <a:endParaRPr lang="en-US" dirty="0"/>
+          </a:p>
+        </p:txBody>
+      </p:sp>
+    </p:spTree>
+    <p:extLst>
+      <p:ext uri="{BB962C8B-B14F-4D97-AF65-F5344CB8AC3E}">
+        <p14:creationId xmlns:p14="http://schemas.microsoft.com/office/powerpoint/2010/main" val="229250447"/>
+      </p:ext>
+    </p:extLst>
+  </p:cSld>
+  <p:clrMapOvr>
+    <a:masterClrMapping/>
+  </p:clrMapOvr>
+  <p:timing>
+    <p:tnLst>
+      <p:par>
+        <p:cTn id="1" dur="indefinite" restart="never" nodeType="tmRoot"/>
+      </p:par>
+    </p:tnLst>
+  </p:timing>
+</p:sld>
+</file>
+
+<file path=ppt/slides/slide18.xml><?xml version="1.0" encoding="utf-8"?>
+<p:sld xmlns:a="http://schemas.openxmlformats.org/drawingml/2006/main" xmlns:r="http://schemas.openxmlformats.org/officeDocument/2006/relationships" xmlns:p="http://schemas.openxmlformats.org/presentationml/2006/main">
+  <p:cSld>
+    <p:spTree>
+      <p:nvGrpSpPr>
+        <p:cNvPr id="1" name=""/>
+        <p:cNvGrpSpPr/>
+        <p:nvPr/>
+      </p:nvGrpSpPr>
+      <p:grpSpPr>
+        <a:xfrm>
+          <a:off x="0" y="0"/>
+          <a:ext cx="0" cy="0"/>
+          <a:chOff x="0" y="0"/>
+          <a:chExt cx="0" cy="0"/>
+        </a:xfrm>
+      </p:grpSpPr>
+      <p:sp>
+        <p:nvSpPr>
+          <p:cNvPr id="2" name="Title 1"/>
+          <p:cNvSpPr>
+            <a:spLocks noGrp="1"/>
+          </p:cNvSpPr>
+          <p:nvPr>
+            <p:ph type="title"/>
+          </p:nvPr>
+        </p:nvSpPr>
+        <p:spPr/>
+        <p:txBody>
+          <a:bodyPr>
             <a:normAutofit fontScale="90000"/>
           </a:bodyPr>
           <a:lstStyle/>
@@ -35063,7 +35264,6 @@
               <a:rPr lang="en-US" dirty="0" smtClean="0"/>
               <a:t>And we get…</a:t>
             </a:r>
-            <a:endParaRPr lang="en-US" dirty="0" smtClean="0"/>
           </a:p>
         </p:txBody>
       </p:sp>
@@ -35087,7 +35287,7 @@
 </p:sld>
 </file>
 
-<file path=ppt/slides/slide17.xml><?xml version="1.0" encoding="utf-8"?>
+<file path=ppt/slides/slide19.xml><?xml version="1.0" encoding="utf-8"?>
 <p:sld xmlns:a="http://schemas.openxmlformats.org/drawingml/2006/main" xmlns:r="http://schemas.openxmlformats.org/officeDocument/2006/relationships" xmlns:p="http://schemas.openxmlformats.org/presentationml/2006/main">
   <p:cSld>
     <p:spTree>
@@ -35139,218 +35339,6 @@
   <p:clrMapOvr>
     <a:masterClrMapping/>
   </p:clrMapOvr>
-</p:sld>
-</file>
-
-<file path=ppt/slides/slide18.xml><?xml version="1.0" encoding="utf-8"?>
-<p:sld xmlns:a="http://schemas.openxmlformats.org/drawingml/2006/main" xmlns:r="http://schemas.openxmlformats.org/officeDocument/2006/relationships" xmlns:p="http://schemas.openxmlformats.org/presentationml/2006/main">
-  <p:cSld>
-    <p:spTree>
-      <p:nvGrpSpPr>
-        <p:cNvPr id="1" name=""/>
-        <p:cNvGrpSpPr/>
-        <p:nvPr/>
-      </p:nvGrpSpPr>
-      <p:grpSpPr>
-        <a:xfrm>
-          <a:off x="0" y="0"/>
-          <a:ext cx="0" cy="0"/>
-          <a:chOff x="0" y="0"/>
-          <a:chExt cx="0" cy="0"/>
-        </a:xfrm>
-      </p:grpSpPr>
-      <p:sp>
-        <p:nvSpPr>
-          <p:cNvPr id="2" name="Title 1"/>
-          <p:cNvSpPr>
-            <a:spLocks noGrp="1"/>
-          </p:cNvSpPr>
-          <p:nvPr>
-            <p:ph type="title"/>
-          </p:nvPr>
-        </p:nvSpPr>
-        <p:spPr/>
-        <p:txBody>
-          <a:bodyPr/>
-          <a:lstStyle/>
-          <a:p>
-            <a:r>
-              <a:rPr lang="en-US" dirty="0" smtClean="0"/>
-              <a:t>Challenges</a:t>
-            </a:r>
-            <a:endParaRPr lang="en-US" dirty="0"/>
-          </a:p>
-        </p:txBody>
-      </p:sp>
-      <p:sp>
-        <p:nvSpPr>
-          <p:cNvPr id="3" name="Content Placeholder 2"/>
-          <p:cNvSpPr>
-            <a:spLocks noGrp="1"/>
-          </p:cNvSpPr>
-          <p:nvPr>
-            <p:ph sz="quarter" idx="13"/>
-          </p:nvPr>
-        </p:nvSpPr>
-        <p:spPr/>
-        <p:txBody>
-          <a:bodyPr>
-            <a:normAutofit fontScale="92500"/>
-          </a:bodyPr>
-          <a:lstStyle/>
-          <a:p>
-            <a:r>
-              <a:rPr lang="en-US" dirty="0" smtClean="0"/>
-              <a:t>Detecting button values:</a:t>
-            </a:r>
-          </a:p>
-          <a:p>
-            <a:pPr lvl="1"/>
-            <a:r>
-              <a:rPr lang="en-US" dirty="0" smtClean="0"/>
-              <a:t>Too tough to reliably do on all devices</a:t>
-            </a:r>
-          </a:p>
-          <a:p>
-            <a:pPr lvl="1"/>
-            <a:r>
-              <a:rPr lang="en-US" dirty="0" smtClean="0"/>
-              <a:t>User set up time is negligible  for a 10-digit keypad</a:t>
-            </a:r>
-          </a:p>
-          <a:p>
-            <a:r>
-              <a:rPr lang="en-US" dirty="0" smtClean="0"/>
-              <a:t>Recognizing delays:</a:t>
-            </a:r>
-          </a:p>
-          <a:p>
-            <a:pPr lvl="1"/>
-            <a:r>
-              <a:rPr lang="en-US" dirty="0" smtClean="0"/>
-              <a:t>Some devices have more easily recognized delay messages than others</a:t>
-            </a:r>
-          </a:p>
-          <a:p>
-            <a:pPr lvl="1"/>
-            <a:r>
-              <a:rPr lang="en-US" dirty="0" smtClean="0"/>
-              <a:t>If necessary, the user can manually input the delay pattern of a device (i.e. 30 seconds every 5 tries)</a:t>
-            </a:r>
-          </a:p>
-          <a:p>
-            <a:endParaRPr lang="en-US" dirty="0" smtClean="0"/>
-          </a:p>
-        </p:txBody>
-      </p:sp>
-    </p:spTree>
-    <p:extLst>
-      <p:ext uri="{BB962C8B-B14F-4D97-AF65-F5344CB8AC3E}">
-        <p14:creationId xmlns:p14="http://schemas.microsoft.com/office/powerpoint/2010/main" val="3058087540"/>
-      </p:ext>
-    </p:extLst>
-  </p:cSld>
-  <p:clrMapOvr>
-    <a:masterClrMapping/>
-  </p:clrMapOvr>
-  <p:timing>
-    <p:tnLst>
-      <p:par>
-        <p:cTn id="1" dur="indefinite" restart="never" nodeType="tmRoot"/>
-      </p:par>
-    </p:tnLst>
-  </p:timing>
-</p:sld>
-</file>
-
-<file path=ppt/slides/slide19.xml><?xml version="1.0" encoding="utf-8"?>
-<p:sld xmlns:a="http://schemas.openxmlformats.org/drawingml/2006/main" xmlns:r="http://schemas.openxmlformats.org/officeDocument/2006/relationships" xmlns:p="http://schemas.openxmlformats.org/presentationml/2006/main">
-  <p:cSld>
-    <p:spTree>
-      <p:nvGrpSpPr>
-        <p:cNvPr id="1" name=""/>
-        <p:cNvGrpSpPr/>
-        <p:nvPr/>
-      </p:nvGrpSpPr>
-      <p:grpSpPr>
-        <a:xfrm>
-          <a:off x="0" y="0"/>
-          <a:ext cx="0" cy="0"/>
-          <a:chOff x="0" y="0"/>
-          <a:chExt cx="0" cy="0"/>
-        </a:xfrm>
-      </p:grpSpPr>
-      <p:sp>
-        <p:nvSpPr>
-          <p:cNvPr id="2" name="Title 1"/>
-          <p:cNvSpPr>
-            <a:spLocks noGrp="1"/>
-          </p:cNvSpPr>
-          <p:nvPr>
-            <p:ph type="title"/>
-          </p:nvPr>
-        </p:nvSpPr>
-        <p:spPr/>
-        <p:txBody>
-          <a:bodyPr/>
-          <a:lstStyle/>
-          <a:p>
-            <a:r>
-              <a:rPr lang="en-US" dirty="0" smtClean="0"/>
-              <a:t>Real Buttons Too!</a:t>
-            </a:r>
-            <a:endParaRPr lang="en-US" dirty="0"/>
-          </a:p>
-        </p:txBody>
-      </p:sp>
-      <p:sp>
-        <p:nvSpPr>
-          <p:cNvPr id="3" name="Content Placeholder 2"/>
-          <p:cNvSpPr>
-            <a:spLocks noGrp="1"/>
-          </p:cNvSpPr>
-          <p:nvPr>
-            <p:ph sz="quarter" idx="13"/>
-          </p:nvPr>
-        </p:nvSpPr>
-        <p:spPr/>
-        <p:txBody>
-          <a:bodyPr/>
-          <a:lstStyle/>
-          <a:p>
-            <a:r>
-              <a:rPr lang="en-US" dirty="0" smtClean="0"/>
-              <a:t>R2B2 can of course also be used for brute-force PIN cracking of physical buttons as well</a:t>
-            </a:r>
-          </a:p>
-          <a:p>
-            <a:r>
-              <a:rPr lang="en-US" dirty="0" smtClean="0"/>
-              <a:t>Electronic keypads or completely mechanical keys, provided it can detect when it has succeeded</a:t>
-            </a:r>
-          </a:p>
-          <a:p>
-            <a:endParaRPr lang="en-US" dirty="0" smtClean="0"/>
-          </a:p>
-        </p:txBody>
-      </p:sp>
-    </p:spTree>
-    <p:extLst>
-      <p:ext uri="{BB962C8B-B14F-4D97-AF65-F5344CB8AC3E}">
-        <p14:creationId xmlns:p14="http://schemas.microsoft.com/office/powerpoint/2010/main" val="2235286277"/>
-      </p:ext>
-    </p:extLst>
-  </p:cSld>
-  <p:clrMapOvr>
-    <a:masterClrMapping/>
-  </p:clrMapOvr>
-  <p:timing>
-    <p:tnLst>
-      <p:par>
-        <p:cTn id="1" dur="indefinite" restart="never" nodeType="tmRoot"/>
-      </p:par>
-    </p:tnLst>
-  </p:timing>
 </p:sld>
 </file>
 
@@ -35492,24 +35480,14 @@
         </p:nvSpPr>
         <p:spPr/>
         <p:txBody>
-          <a:bodyPr>
-            <a:noAutofit/>
-          </a:bodyPr>
+          <a:bodyPr/>
           <a:lstStyle/>
           <a:p>
             <a:r>
-              <a:rPr lang="en-US" sz="3200" dirty="0" smtClean="0"/>
-              <a:t>Capacitive Cartesian Coordinate </a:t>
+              <a:rPr lang="en-US" dirty="0" smtClean="0"/>
+              <a:t>Challenges</a:t>
             </a:r>
-            <a:r>
-              <a:rPr lang="en-US" sz="3200" dirty="0" err="1" smtClean="0"/>
-              <a:t>Bruteforcing</a:t>
-            </a:r>
-            <a:r>
-              <a:rPr lang="en-US" sz="3200" dirty="0" smtClean="0"/>
-              <a:t> Overlay (C3BO)</a:t>
-            </a:r>
-            <a:endParaRPr lang="en-US" sz="3200" dirty="0"/>
+            <a:endParaRPr lang="en-US" dirty="0"/>
           </a:p>
         </p:txBody>
       </p:sp>
@@ -35526,48 +35504,58 @@
         <p:spPr/>
         <p:txBody>
           <a:bodyPr>
-            <a:normAutofit fontScale="92500" lnSpcReduction="10000"/>
+            <a:normAutofit fontScale="92500"/>
           </a:bodyPr>
           <a:lstStyle/>
           <a:p>
             <a:r>
               <a:rPr lang="en-US" dirty="0" smtClean="0"/>
-              <a:t>Attach a grid of electrodes to the device’s virtual keyboard</a:t>
+              <a:t>Detecting button values:</a:t>
+            </a:r>
+          </a:p>
+          <a:p>
+            <a:pPr lvl="1"/>
+            <a:r>
+              <a:rPr lang="en-US" dirty="0" smtClean="0"/>
+              <a:t>Too tough to reliably do on all devices</a:t>
+            </a:r>
+          </a:p>
+          <a:p>
+            <a:pPr lvl="1"/>
+            <a:r>
+              <a:rPr lang="en-US" dirty="0" smtClean="0"/>
+              <a:t>User set up time is negligible  for a 10-digit keypad</a:t>
             </a:r>
           </a:p>
           <a:p>
             <a:r>
               <a:rPr lang="en-US" dirty="0" smtClean="0"/>
-              <a:t>Trigger electrodes via an </a:t>
-            </a:r>
-            <a:r>
-              <a:rPr lang="en-US" dirty="0" err="1" smtClean="0"/>
-              <a:t>Arduino</a:t>
-            </a:r>
-            <a:r>
-              <a:rPr lang="en-US" dirty="0" smtClean="0"/>
-              <a:t> to trick the device into thinking the screen was touched at that point</a:t>
+              <a:t>Recognizing delays:</a:t>
             </a:r>
           </a:p>
           <a:p>
+            <a:pPr lvl="1"/>
             <a:r>
               <a:rPr lang="en-US" dirty="0" smtClean="0"/>
-              <a:t>No mechanical motion = faster button pressing</a:t>
+              <a:t>Some devices have more easily recognized delay messages than others</a:t>
             </a:r>
           </a:p>
           <a:p>
+            <a:pPr lvl="1"/>
             <a:r>
               <a:rPr lang="en-US" dirty="0" smtClean="0"/>
-              <a:t>More user configuration required to manually place the electrodes</a:t>
+              <a:t>If necessary, the user can manually input the delay pattern of a device (i.e. 30 seconds every 5 tries)</a:t>
             </a:r>
-            <a:endParaRPr lang="en-US" dirty="0"/>
+          </a:p>
+          <a:p>
+            <a:endParaRPr lang="en-US" dirty="0" smtClean="0"/>
           </a:p>
         </p:txBody>
       </p:sp>
     </p:spTree>
     <p:extLst>
       <p:ext uri="{BB962C8B-B14F-4D97-AF65-F5344CB8AC3E}">
-        <p14:creationId xmlns:p14="http://schemas.microsoft.com/office/powerpoint/2010/main" val="3383175749"/>
+        <p14:creationId xmlns:p14="http://schemas.microsoft.com/office/powerpoint/2010/main" val="3058087540"/>
       </p:ext>
     </p:extLst>
   </p:cSld>
@@ -35618,7 +35606,7 @@
           <a:p>
             <a:r>
               <a:rPr lang="en-US" dirty="0" smtClean="0"/>
-              <a:t>C3BO continued</a:t>
+              <a:t>Real Buttons Too!</a:t>
             </a:r>
             <a:endParaRPr lang="en-US" dirty="0"/>
           </a:p>
@@ -35641,22 +35629,24 @@
           <a:p>
             <a:r>
               <a:rPr lang="en-US" dirty="0" smtClean="0"/>
-              <a:t>Cheaper than R2B2 ( ~ $50)</a:t>
+              <a:t>R2B2 can of course also be used for brute-force PIN cracking of physical buttons as well</a:t>
             </a:r>
           </a:p>
           <a:p>
             <a:r>
               <a:rPr lang="en-US" dirty="0" smtClean="0"/>
-              <a:t>Nearly the same software for controlling/detecting device state changes with camera</a:t>
+              <a:t>Electronic keypads or completely mechanical keys, provided it can detect when it has succeeded</a:t>
             </a:r>
-            <a:endParaRPr lang="en-US" dirty="0"/>
+          </a:p>
+          <a:p>
+            <a:endParaRPr lang="en-US" dirty="0" smtClean="0"/>
           </a:p>
         </p:txBody>
       </p:sp>
     </p:spTree>
     <p:extLst>
       <p:ext uri="{BB962C8B-B14F-4D97-AF65-F5344CB8AC3E}">
-        <p14:creationId xmlns:p14="http://schemas.microsoft.com/office/powerpoint/2010/main" val="3968340163"/>
+        <p14:creationId xmlns:p14="http://schemas.microsoft.com/office/powerpoint/2010/main" val="2235286277"/>
       </p:ext>
     </p:extLst>
   </p:cSld>
@@ -35744,26 +35734,14 @@
             <a:pPr lvl="1"/>
             <a:r>
               <a:rPr lang="en-US" dirty="0" smtClean="0"/>
-              <a:t>On Android this is </a:t>
-            </a:r>
-            <a:r>
-              <a:rPr lang="en-US" dirty="0" smtClean="0"/>
-              <a:t>30 </a:t>
-            </a:r>
-            <a:r>
-              <a:rPr lang="en-US" dirty="0" smtClean="0"/>
-              <a:t>seconds regardless of previous attempts</a:t>
+              <a:t>On Android this is 30 seconds regardless of previous attempts</a:t>
             </a:r>
           </a:p>
           <a:p>
             <a:pPr lvl="2"/>
             <a:r>
               <a:rPr lang="en-US" dirty="0" smtClean="0"/>
-              <a:t>R2B2 would succeed in a worst case of ~20 </a:t>
-            </a:r>
-            <a:r>
-              <a:rPr lang="en-US" dirty="0" smtClean="0"/>
-              <a:t>hours</a:t>
+              <a:t>R2B2 would succeed in a worst case of ~20 hours</a:t>
             </a:r>
           </a:p>
           <a:p>
@@ -35788,7 +35766,6 @@
               <a:rPr lang="en-US" dirty="0" smtClean="0"/>
               <a:t> =80%)</a:t>
             </a:r>
-            <a:endParaRPr lang="en-US" dirty="0" smtClean="0"/>
           </a:p>
           <a:p>
             <a:r>
@@ -35849,6 +35826,101 @@
 </file>
 
 <file path=ppt/slides/slide23.xml><?xml version="1.0" encoding="utf-8"?>
+<p:sld xmlns:a="http://schemas.openxmlformats.org/drawingml/2006/main" xmlns:r="http://schemas.openxmlformats.org/officeDocument/2006/relationships" xmlns:p="http://schemas.openxmlformats.org/presentationml/2006/main">
+  <p:cSld>
+    <p:spTree>
+      <p:nvGrpSpPr>
+        <p:cNvPr id="1" name=""/>
+        <p:cNvGrpSpPr/>
+        <p:nvPr/>
+      </p:nvGrpSpPr>
+      <p:grpSpPr>
+        <a:xfrm>
+          <a:off x="0" y="0"/>
+          <a:ext cx="0" cy="0"/>
+          <a:chOff x="0" y="0"/>
+          <a:chExt cx="0" cy="0"/>
+        </a:xfrm>
+      </p:grpSpPr>
+      <p:sp>
+        <p:nvSpPr>
+          <p:cNvPr id="2" name="Title 1"/>
+          <p:cNvSpPr>
+            <a:spLocks noGrp="1"/>
+          </p:cNvSpPr>
+          <p:nvPr>
+            <p:ph type="title"/>
+          </p:nvPr>
+        </p:nvSpPr>
+        <p:spPr/>
+        <p:txBody>
+          <a:bodyPr/>
+          <a:lstStyle/>
+          <a:p>
+            <a:r>
+              <a:rPr lang="en-US" dirty="0" smtClean="0"/>
+              <a:t>Robots &gt; Apps</a:t>
+            </a:r>
+            <a:endParaRPr lang="en-US" dirty="0"/>
+          </a:p>
+        </p:txBody>
+      </p:sp>
+      <p:sp>
+        <p:nvSpPr>
+          <p:cNvPr id="3" name="Content Placeholder 2"/>
+          <p:cNvSpPr>
+            <a:spLocks noGrp="1"/>
+          </p:cNvSpPr>
+          <p:nvPr>
+            <p:ph sz="quarter" idx="13"/>
+          </p:nvPr>
+        </p:nvSpPr>
+        <p:spPr/>
+        <p:txBody>
+          <a:bodyPr/>
+          <a:lstStyle/>
+          <a:p>
+            <a:r>
+              <a:rPr lang="en-US" dirty="0" smtClean="0"/>
+              <a:t>Lots of apps to replace lock screen or provide additional “protection” to elements of the phone (media storage etc.)</a:t>
+            </a:r>
+          </a:p>
+          <a:p>
+            <a:r>
+              <a:rPr lang="en-US" dirty="0" smtClean="0"/>
+              <a:t>Tried 13:</a:t>
+            </a:r>
+          </a:p>
+          <a:p>
+            <a:pPr lvl="1"/>
+            <a:r>
+              <a:rPr lang="en-US" dirty="0" smtClean="0"/>
+              <a:t>4 had lockouts of &gt;= 5 minutes/5 attempts</a:t>
+            </a:r>
+          </a:p>
+          <a:p>
+            <a:pPr lvl="1"/>
+            <a:r>
+              <a:rPr lang="en-US" dirty="0" smtClean="0"/>
+              <a:t>9 had no lockout at all</a:t>
+            </a:r>
+          </a:p>
+        </p:txBody>
+      </p:sp>
+    </p:spTree>
+    <p:extLst>
+      <p:ext uri="{BB962C8B-B14F-4D97-AF65-F5344CB8AC3E}">
+        <p14:creationId xmlns:p14="http://schemas.microsoft.com/office/powerpoint/2010/main" val="3932547010"/>
+      </p:ext>
+    </p:extLst>
+  </p:cSld>
+  <p:clrMapOvr>
+    <a:masterClrMapping/>
+  </p:clrMapOvr>
+</p:sld>
+</file>
+
+<file path=ppt/slides/slide24.xml><?xml version="1.0" encoding="utf-8"?>
 <p:sld xmlns:a="http://schemas.openxmlformats.org/drawingml/2006/main" xmlns:r="http://schemas.openxmlformats.org/officeDocument/2006/relationships" xmlns:p="http://schemas.openxmlformats.org/presentationml/2006/main">
   <p:cSld>
     <p:spTree>
@@ -35968,7 +36040,7 @@
 </p:sld>
 </file>
 
-<file path=ppt/slides/slide24.xml><?xml version="1.0" encoding="utf-8"?>
+<file path=ppt/slides/slide25.xml><?xml version="1.0" encoding="utf-8"?>
 <p:sld xmlns:a="http://schemas.openxmlformats.org/drawingml/2006/main" xmlns:r="http://schemas.openxmlformats.org/officeDocument/2006/relationships" xmlns:p="http://schemas.openxmlformats.org/presentationml/2006/main">
   <p:cSld>
     <p:spTree>
@@ -36020,7 +36092,9 @@
         </p:nvSpPr>
         <p:spPr/>
         <p:txBody>
-          <a:bodyPr/>
+          <a:bodyPr>
+            <a:normAutofit lnSpcReduction="10000"/>
+          </a:bodyPr>
           <a:lstStyle/>
           <a:p>
             <a:r>
@@ -36039,8 +36113,33 @@
           <a:p>
             <a:r>
               <a:rPr lang="en-US" dirty="0" smtClean="0"/>
-              <a:t>Thanks to Dan Royer for providing the motion control code and robot build plans</a:t>
+              <a:t>Thanks to Dan Royer for providing the motion control code and robot build </a:t>
             </a:r>
+            <a:r>
+              <a:rPr lang="en-US" dirty="0" smtClean="0"/>
+              <a:t>plans</a:t>
+            </a:r>
+          </a:p>
+          <a:p>
+            <a:r>
+              <a:rPr lang="en-US" dirty="0" smtClean="0"/>
+              <a:t>Thanks to Daniel </a:t>
+            </a:r>
+            <a:r>
+              <a:rPr lang="en-US" dirty="0" err="1" smtClean="0"/>
+              <a:t>Amitay</a:t>
+            </a:r>
+            <a:r>
+              <a:rPr lang="en-US" dirty="0" smtClean="0"/>
+              <a:t> for parts of our PIN data</a:t>
+            </a:r>
+          </a:p>
+          <a:p>
+            <a:r>
+              <a:rPr lang="en-US" dirty="0" smtClean="0"/>
+              <a:t>Thanks to David Nichols for analyzing the PIN using apps</a:t>
+            </a:r>
+            <a:endParaRPr lang="en-US" dirty="0" smtClean="0"/>
           </a:p>
         </p:txBody>
       </p:sp>
@@ -36147,14 +36246,14 @@
       </p:sp>
       <p:pic>
         <p:nvPicPr>
-          <p:cNvPr id="1026" name="Picture 2"/>
+          <p:cNvPr id="4" name="Picture 2" descr="https://lh4.ggpht.com/eE3OPmNyRkXEMlsc-5K5DVr6At5SSsQbr1rQ9VG9sHIS0KpX03z3iF6KboH2Od1HHg=h900"/>
           <p:cNvPicPr>
             <a:picLocks noChangeAspect="1" noChangeArrowheads="1"/>
           </p:cNvPicPr>
           <p:nvPr/>
         </p:nvPicPr>
         <p:blipFill>
-          <a:blip r:embed="rId2" cstate="print">
+          <a:blip r:embed="rId2">
             <a:extLst>
               <a:ext uri="{28A0092B-C50C-407E-A947-70E740481C1C}">
                 <a14:useLocalDpi xmlns:a14="http://schemas.microsoft.com/office/drawing/2010/main" val="0"/>
@@ -36168,37 +36267,54 @@
         </p:blipFill>
         <p:spPr bwMode="auto">
           <a:xfrm>
-            <a:off x="6324600" y="1447800"/>
-            <a:ext cx="2271712" cy="4038600"/>
+            <a:off x="6324600" y="1282700"/>
+            <a:ext cx="2377440" cy="3962400"/>
           </a:xfrm>
           <a:prstGeom prst="rect">
             <a:avLst/>
           </a:prstGeom>
           <a:noFill/>
-          <a:ln>
-            <a:noFill/>
-          </a:ln>
           <a:extLst>
             <a:ext uri="{909E8E84-426E-40DD-AFC4-6F175D3DCCD1}">
               <a14:hiddenFill xmlns:a14="http://schemas.microsoft.com/office/drawing/2010/main">
                 <a:solidFill>
-                  <a:schemeClr val="accent1"/>
+                  <a:srgbClr val="FFFFFF"/>
                 </a:solidFill>
               </a14:hiddenFill>
-            </a:ext>
-            <a:ext uri="{91240B29-F687-4F45-9708-019B960494DF}">
-              <a14:hiddenLine xmlns:a14="http://schemas.microsoft.com/office/drawing/2010/main" w="9525">
-                <a:solidFill>
-                  <a:schemeClr val="tx1"/>
-                </a:solidFill>
-                <a:miter lim="800000"/>
-                <a:headEnd/>
-                <a:tailEnd/>
-              </a14:hiddenLine>
             </a:ext>
           </a:extLst>
         </p:spPr>
       </p:pic>
+      <p:sp>
+        <p:nvSpPr>
+          <p:cNvPr id="5" name="TextBox 4"/>
+          <p:cNvSpPr txBox="1"/>
+          <p:nvPr/>
+        </p:nvSpPr>
+        <p:spPr>
+          <a:xfrm>
+            <a:off x="6933671" y="5245100"/>
+            <a:ext cx="1768369" cy="369332"/>
+          </a:xfrm>
+          <a:prstGeom prst="rect">
+            <a:avLst/>
+          </a:prstGeom>
+          <a:noFill/>
+        </p:spPr>
+        <p:txBody>
+          <a:bodyPr wrap="none" rtlCol="0">
+            <a:spAutoFit/>
+          </a:bodyPr>
+          <a:lstStyle/>
+          <a:p>
+            <a:r>
+              <a:rPr lang="en-US" dirty="0" smtClean="0"/>
+              <a:t>play.google.com</a:t>
+            </a:r>
+            <a:endParaRPr lang="en-US" dirty="0"/>
+          </a:p>
+        </p:txBody>
+      </p:sp>
     </p:spTree>
     <p:extLst>
       <p:ext uri="{BB962C8B-B14F-4D97-AF65-F5344CB8AC3E}">

--- a/Automated PIN Cracking.pptx
+++ b/Automated PIN Cracking.pptx
@@ -5,34 +5,32 @@
     <p:sldMasterId id="2147483648" r:id="rId1"/>
   </p:sldMasterIdLst>
   <p:notesMasterIdLst>
-    <p:notesMasterId r:id="rId27"/>
+    <p:notesMasterId r:id="rId25"/>
   </p:notesMasterIdLst>
   <p:sldIdLst>
     <p:sldId id="256" r:id="rId2"/>
     <p:sldId id="257" r:id="rId3"/>
     <p:sldId id="270" r:id="rId4"/>
     <p:sldId id="264" r:id="rId5"/>
-    <p:sldId id="266" r:id="rId6"/>
-    <p:sldId id="267" r:id="rId7"/>
-    <p:sldId id="268" r:id="rId8"/>
-    <p:sldId id="269" r:id="rId9"/>
-    <p:sldId id="271" r:id="rId10"/>
-    <p:sldId id="272" r:id="rId11"/>
-    <p:sldId id="286" r:id="rId12"/>
-    <p:sldId id="288" r:id="rId13"/>
-    <p:sldId id="273" r:id="rId14"/>
-    <p:sldId id="274" r:id="rId15"/>
-    <p:sldId id="275" r:id="rId16"/>
-    <p:sldId id="289" r:id="rId17"/>
-    <p:sldId id="290" r:id="rId18"/>
-    <p:sldId id="277" r:id="rId19"/>
-    <p:sldId id="284" r:id="rId20"/>
-    <p:sldId id="276" r:id="rId21"/>
-    <p:sldId id="278" r:id="rId22"/>
-    <p:sldId id="281" r:id="rId23"/>
-    <p:sldId id="291" r:id="rId24"/>
-    <p:sldId id="282" r:id="rId25"/>
-    <p:sldId id="283" r:id="rId26"/>
+    <p:sldId id="292" r:id="rId6"/>
+    <p:sldId id="293" r:id="rId7"/>
+    <p:sldId id="294" r:id="rId8"/>
+    <p:sldId id="272" r:id="rId9"/>
+    <p:sldId id="286" r:id="rId10"/>
+    <p:sldId id="288" r:id="rId11"/>
+    <p:sldId id="295" r:id="rId12"/>
+    <p:sldId id="274" r:id="rId13"/>
+    <p:sldId id="275" r:id="rId14"/>
+    <p:sldId id="289" r:id="rId15"/>
+    <p:sldId id="290" r:id="rId16"/>
+    <p:sldId id="277" r:id="rId17"/>
+    <p:sldId id="284" r:id="rId18"/>
+    <p:sldId id="278" r:id="rId19"/>
+    <p:sldId id="281" r:id="rId20"/>
+    <p:sldId id="291" r:id="rId21"/>
+    <p:sldId id="296" r:id="rId22"/>
+    <p:sldId id="283" r:id="rId23"/>
+    <p:sldId id="297" r:id="rId24"/>
   </p:sldIdLst>
   <p:sldSz cx="9144000" cy="6858000" type="screen4x3"/>
   <p:notesSz cx="6858000" cy="9144000"/>
@@ -30191,11 +30189,11 @@
         </c:dLbls>
         <c:marker val="1"/>
         <c:smooth val="0"/>
-        <c:axId val="113674752"/>
-        <c:axId val="113533504"/>
+        <c:axId val="78894592"/>
+        <c:axId val="135847232"/>
       </c:lineChart>
       <c:catAx>
-        <c:axId val="113674752"/>
+        <c:axId val="78894592"/>
         <c:scaling>
           <c:orientation val="minMax"/>
         </c:scaling>
@@ -30229,17 +30227,17 @@
         <c:majorTickMark val="in"/>
         <c:minorTickMark val="none"/>
         <c:tickLblPos val="nextTo"/>
-        <c:crossAx val="113533504"/>
+        <c:crossAx val="135847232"/>
         <c:crosses val="autoZero"/>
         <c:auto val="1"/>
         <c:lblAlgn val="ctr"/>
         <c:lblOffset val="100"/>
         <c:tickLblSkip val="1000"/>
-        <c:tickMarkSkip val="1000"/>
+        <c:tickMarkSkip val="500"/>
         <c:noMultiLvlLbl val="0"/>
       </c:catAx>
       <c:valAx>
-        <c:axId val="113533504"/>
+        <c:axId val="135847232"/>
         <c:scaling>
           <c:orientation val="minMax"/>
           <c:max val="1"/>
@@ -30275,7 +30273,7 @@
         <c:majorTickMark val="out"/>
         <c:minorTickMark val="none"/>
         <c:tickLblPos val="nextTo"/>
-        <c:crossAx val="113674752"/>
+        <c:crossAx val="78894592"/>
         <c:crosses val="autoZero"/>
         <c:crossBetween val="between"/>
       </c:valAx>
@@ -30295,11 +30293,11 @@
 <c:userShapes xmlns:c="http://schemas.openxmlformats.org/drawingml/2006/chart">
   <cdr:relSizeAnchor xmlns:cdr="http://schemas.openxmlformats.org/drawingml/2006/chartDrawing">
     <cdr:from>
-      <cdr:x>0.17629</cdr:x>
+      <cdr:x>0.17059</cdr:x>
       <cdr:y>0.03447</cdr:y>
     </cdr:from>
     <cdr:to>
-      <cdr:x>0.17629</cdr:x>
+      <cdr:x>0.17059</cdr:x>
       <cdr:y>0.85357</cdr:y>
     </cdr:to>
     <cdr:cxnSp macro="">
@@ -30309,8 +30307,8 @@
       </cdr:nvCxnSpPr>
       <cdr:spPr>
         <a:xfrm xmlns:a="http://schemas.openxmlformats.org/drawingml/2006/main">
-          <a:off x="943494" y="142708"/>
-          <a:ext cx="0" cy="3391149"/>
+          <a:off x="913026" y="142709"/>
+          <a:ext cx="0" cy="3391143"/>
         </a:xfrm>
         <a:prstGeom xmlns:a="http://schemas.openxmlformats.org/drawingml/2006/main" prst="line">
           <a:avLst/>
@@ -30399,51 +30397,18 @@
         <a:lstStyle xmlns:a="http://schemas.openxmlformats.org/drawingml/2006/main"/>
         <a:p xmlns:a="http://schemas.openxmlformats.org/drawingml/2006/main">
           <a:r>
-            <a:rPr lang="en-US" sz="1600" dirty="0"/>
+            <a:rPr lang="en-US" sz="1600"/>
             <a:t>50% unlocked</a:t>
+          </a:r>
+        </a:p>
+        <a:p xmlns:a="http://schemas.openxmlformats.org/drawingml/2006/main">
+          <a:r>
+            <a:rPr lang="en-US" sz="1600"/>
+            <a:t>= 670 PINs</a:t>
           </a:r>
         </a:p>
       </cdr:txBody>
     </cdr:sp>
-  </cdr:relSizeAnchor>
-  <cdr:relSizeAnchor xmlns:cdr="http://schemas.openxmlformats.org/drawingml/2006/chartDrawing">
-    <cdr:from>
-      <cdr:x>0.17629</cdr:x>
-      <cdr:y>0.02895</cdr:y>
-    </cdr:from>
-    <cdr:to>
-      <cdr:x>0.17758</cdr:x>
-      <cdr:y>0.84805</cdr:y>
-    </cdr:to>
-    <cdr:cxnSp macro="">
-      <cdr:nvCxnSpPr>
-        <cdr:cNvPr id="9" name="Straight Connector 4"/>
-        <cdr:cNvCxnSpPr/>
-      </cdr:nvCxnSpPr>
-      <cdr:spPr>
-        <a:xfrm xmlns:a="http://schemas.openxmlformats.org/drawingml/2006/main">
-          <a:off x="943494" y="119848"/>
-          <a:ext cx="6928" cy="3391149"/>
-        </a:xfrm>
-        <a:prstGeom xmlns:a="http://schemas.openxmlformats.org/drawingml/2006/main" prst="line">
-          <a:avLst/>
-        </a:prstGeom>
-      </cdr:spPr>
-      <cdr:style>
-        <a:lnRef xmlns:a="http://schemas.openxmlformats.org/drawingml/2006/main" idx="1">
-          <a:schemeClr val="accent2"/>
-        </a:lnRef>
-        <a:fillRef xmlns:a="http://schemas.openxmlformats.org/drawingml/2006/main" idx="0">
-          <a:schemeClr val="accent2"/>
-        </a:fillRef>
-        <a:effectRef xmlns:a="http://schemas.openxmlformats.org/drawingml/2006/main" idx="0">
-          <a:schemeClr val="accent2"/>
-        </a:effectRef>
-        <a:fontRef xmlns:a="http://schemas.openxmlformats.org/drawingml/2006/main" idx="minor">
-          <a:schemeClr val="tx1"/>
-        </a:fontRef>
-      </cdr:style>
-    </cdr:cxnSp>
   </cdr:relSizeAnchor>
   <cdr:relSizeAnchor xmlns:cdr="http://schemas.openxmlformats.org/drawingml/2006/chartDrawing">
     <cdr:from>
@@ -30576,9 +30541,20 @@
         </a:lstStyle>
         <a:p xmlns:a="http://schemas.openxmlformats.org/drawingml/2006/main">
           <a:r>
-            <a:rPr lang="en-US" sz="1600" dirty="0"/>
+            <a:rPr lang="en-US" sz="1600"/>
             <a:t>80% unlocked</a:t>
           </a:r>
+        </a:p>
+        <a:p xmlns:a="http://schemas.openxmlformats.org/drawingml/2006/main">
+          <a:r>
+            <a:rPr lang="en-US" sz="1600"/>
+            <a:t>= 3,700</a:t>
+          </a:r>
+          <a:r>
+            <a:rPr lang="en-US" sz="1600" baseline="0"/>
+            <a:t> PINs</a:t>
+          </a:r>
+          <a:endParaRPr lang="en-US" sz="1600"/>
         </a:p>
       </cdr:txBody>
     </cdr:sp>
@@ -33918,461 +33894,6 @@
             <p:ph type="title"/>
           </p:nvPr>
         </p:nvSpPr>
-        <p:spPr/>
-        <p:txBody>
-          <a:bodyPr/>
-          <a:lstStyle/>
-          <a:p>
-            <a:r>
-              <a:rPr lang="en-US" dirty="0" smtClean="0"/>
-              <a:t>Delta Robot</a:t>
-            </a:r>
-            <a:endParaRPr lang="en-US" dirty="0"/>
-          </a:p>
-        </p:txBody>
-      </p:sp>
-      <p:sp>
-        <p:nvSpPr>
-          <p:cNvPr id="3" name="Content Placeholder 2"/>
-          <p:cNvSpPr>
-            <a:spLocks noGrp="1"/>
-          </p:cNvSpPr>
-          <p:nvPr>
-            <p:ph sz="quarter" idx="13"/>
-          </p:nvPr>
-        </p:nvSpPr>
-        <p:spPr>
-          <a:xfrm>
-            <a:off x="457200" y="2362200"/>
-            <a:ext cx="5702300" cy="3200400"/>
-          </a:xfrm>
-        </p:spPr>
-        <p:txBody>
-          <a:bodyPr/>
-          <a:lstStyle/>
-          <a:p>
-            <a:r>
-              <a:rPr lang="en-US" dirty="0" smtClean="0"/>
-              <a:t>Designed for fast precision industrial work</a:t>
-            </a:r>
-          </a:p>
-          <a:p>
-            <a:r>
-              <a:rPr lang="en-US" dirty="0" smtClean="0"/>
-              <a:t>Simple combination of 3 single-motor arms gives precision 3D movement with somewhat small range of motion</a:t>
-            </a:r>
-          </a:p>
-          <a:p>
-            <a:r>
-              <a:rPr lang="en-US" dirty="0" smtClean="0"/>
-              <a:t>Fairly simple motion control</a:t>
-            </a:r>
-            <a:endParaRPr lang="en-US" dirty="0"/>
-          </a:p>
-        </p:txBody>
-      </p:sp>
-      <p:pic>
-        <p:nvPicPr>
-          <p:cNvPr id="1026" name="Picture 2" descr="C:\Users\StandardUser\Pictures\Untitled 1.jpg"/>
-          <p:cNvPicPr>
-            <a:picLocks noChangeAspect="1" noChangeArrowheads="1"/>
-          </p:cNvPicPr>
-          <p:nvPr/>
-        </p:nvPicPr>
-        <p:blipFill rotWithShape="1">
-          <a:blip r:embed="rId2">
-            <a:extLst>
-              <a:ext uri="{28A0092B-C50C-407E-A947-70E740481C1C}">
-                <a14:useLocalDpi xmlns:a14="http://schemas.microsoft.com/office/drawing/2010/main" val="0"/>
-              </a:ext>
-            </a:extLst>
-          </a:blip>
-          <a:srcRect l="13093" t="7407" r="30588" b="49815"/>
-          <a:stretch/>
-        </p:blipFill>
-        <p:spPr bwMode="auto">
-          <a:xfrm>
-            <a:off x="6019800" y="1987550"/>
-            <a:ext cx="2984500" cy="2933700"/>
-          </a:xfrm>
-          <a:prstGeom prst="rect">
-            <a:avLst/>
-          </a:prstGeom>
-          <a:noFill/>
-          <a:extLst>
-            <a:ext uri="{909E8E84-426E-40DD-AFC4-6F175D3DCCD1}">
-              <a14:hiddenFill xmlns:a14="http://schemas.microsoft.com/office/drawing/2010/main">
-                <a:solidFill>
-                  <a:srgbClr val="FFFFFF"/>
-                </a:solidFill>
-              </a14:hiddenFill>
-            </a:ext>
-          </a:extLst>
-        </p:spPr>
-      </p:pic>
-      <p:sp>
-        <p:nvSpPr>
-          <p:cNvPr id="4" name="TextBox 3"/>
-          <p:cNvSpPr txBox="1"/>
-          <p:nvPr/>
-        </p:nvSpPr>
-        <p:spPr>
-          <a:xfrm>
-            <a:off x="8696202" y="1802884"/>
-            <a:ext cx="308098" cy="369332"/>
-          </a:xfrm>
-          <a:prstGeom prst="rect">
-            <a:avLst/>
-          </a:prstGeom>
-          <a:noFill/>
-        </p:spPr>
-        <p:txBody>
-          <a:bodyPr wrap="none" rtlCol="0">
-            <a:spAutoFit/>
-          </a:bodyPr>
-          <a:lstStyle/>
-          <a:p>
-            <a:r>
-              <a:rPr lang="en-US" dirty="0"/>
-              <a:t>*</a:t>
-            </a:r>
-          </a:p>
-        </p:txBody>
-      </p:sp>
-      <p:sp>
-        <p:nvSpPr>
-          <p:cNvPr id="5" name="TextBox 4"/>
-          <p:cNvSpPr txBox="1"/>
-          <p:nvPr/>
-        </p:nvSpPr>
-        <p:spPr>
-          <a:xfrm>
-            <a:off x="457200" y="6098232"/>
-            <a:ext cx="4419600" cy="461665"/>
-          </a:xfrm>
-          <a:prstGeom prst="rect">
-            <a:avLst/>
-          </a:prstGeom>
-          <a:noFill/>
-        </p:spPr>
-        <p:txBody>
-          <a:bodyPr wrap="square" rtlCol="0">
-            <a:spAutoFit/>
-          </a:bodyPr>
-          <a:lstStyle/>
-          <a:p>
-            <a:r>
-              <a:rPr lang="en-US" sz="1200" dirty="0" smtClean="0"/>
-              <a:t>* </a:t>
-            </a:r>
-            <a:r>
-              <a:rPr lang="en-US" sz="1200" b="1" dirty="0" smtClean="0"/>
-              <a:t>Lopez, Castillo, Garcia, and Bashir</a:t>
-            </a:r>
-            <a:r>
-              <a:rPr lang="en-US" sz="1200" b="1" i="1" dirty="0" smtClean="0"/>
-              <a:t>. </a:t>
-            </a:r>
-            <a:r>
-              <a:rPr lang="en-US" sz="1200" i="1" dirty="0" smtClean="0"/>
-              <a:t>Delta robot: inverse, direct, and intermediate </a:t>
-            </a:r>
-            <a:r>
-              <a:rPr lang="en-US" sz="1200" i="1" dirty="0" err="1" smtClean="0"/>
-              <a:t>Jacobians</a:t>
-            </a:r>
-            <a:r>
-              <a:rPr lang="en-US" sz="1200" i="1" dirty="0" smtClean="0"/>
-              <a:t>. </a:t>
-            </a:r>
-            <a:r>
-              <a:rPr lang="en-US" sz="1200" dirty="0" smtClean="0"/>
-              <a:t>Proc. </a:t>
-            </a:r>
-            <a:r>
-              <a:rPr lang="en-US" sz="1200" dirty="0" err="1" smtClean="0"/>
-              <a:t>IMechE</a:t>
-            </a:r>
-            <a:r>
-              <a:rPr lang="en-US" sz="1200" dirty="0" smtClean="0"/>
-              <a:t> Vol.220(2006)</a:t>
-            </a:r>
-            <a:endParaRPr lang="en-US" sz="1200" dirty="0"/>
-          </a:p>
-        </p:txBody>
-      </p:sp>
-    </p:spTree>
-    <p:extLst>
-      <p:ext uri="{BB962C8B-B14F-4D97-AF65-F5344CB8AC3E}">
-        <p14:creationId xmlns:p14="http://schemas.microsoft.com/office/powerpoint/2010/main" val="4149327361"/>
-      </p:ext>
-    </p:extLst>
-  </p:cSld>
-  <p:clrMapOvr>
-    <a:masterClrMapping/>
-  </p:clrMapOvr>
-  <p:timing>
-    <p:tnLst>
-      <p:par>
-        <p:cTn id="1" dur="indefinite" restart="never" nodeType="tmRoot"/>
-      </p:par>
-    </p:tnLst>
-  </p:timing>
-</p:sld>
-</file>
-
-<file path=ppt/slides/slide11.xml><?xml version="1.0" encoding="utf-8"?>
-<p:sld xmlns:a="http://schemas.openxmlformats.org/drawingml/2006/main" xmlns:r="http://schemas.openxmlformats.org/officeDocument/2006/relationships" xmlns:p="http://schemas.openxmlformats.org/presentationml/2006/main">
-  <p:cSld>
-    <p:spTree>
-      <p:nvGrpSpPr>
-        <p:cNvPr id="1" name=""/>
-        <p:cNvGrpSpPr/>
-        <p:nvPr/>
-      </p:nvGrpSpPr>
-      <p:grpSpPr>
-        <a:xfrm>
-          <a:off x="0" y="0"/>
-          <a:ext cx="0" cy="0"/>
-          <a:chOff x="0" y="0"/>
-          <a:chExt cx="0" cy="0"/>
-        </a:xfrm>
-      </p:grpSpPr>
-      <p:sp>
-        <p:nvSpPr>
-          <p:cNvPr id="2" name="Title 1"/>
-          <p:cNvSpPr>
-            <a:spLocks noGrp="1"/>
-          </p:cNvSpPr>
-          <p:nvPr>
-            <p:ph type="title"/>
-          </p:nvPr>
-        </p:nvSpPr>
-        <p:spPr/>
-        <p:txBody>
-          <a:bodyPr>
-            <a:normAutofit fontScale="90000"/>
-          </a:bodyPr>
-          <a:lstStyle/>
-          <a:p>
-            <a:r>
-              <a:rPr lang="en-US" dirty="0" smtClean="0"/>
-              <a:t>“Fairly Simple” Motion Control</a:t>
-            </a:r>
-            <a:br>
-              <a:rPr lang="en-US" dirty="0" smtClean="0"/>
-            </a:br>
-            <a:r>
-              <a:rPr lang="en-US" dirty="0" smtClean="0"/>
-              <a:t>Still a lot of math…</a:t>
-            </a:r>
-            <a:endParaRPr lang="en-US" dirty="0"/>
-          </a:p>
-        </p:txBody>
-      </p:sp>
-      <p:pic>
-        <p:nvPicPr>
-          <p:cNvPr id="2050" name="Picture 2" descr="C:\Users\StandardUser\Pictures\Untitled 3.jpg"/>
-          <p:cNvPicPr>
-            <a:picLocks noChangeAspect="1" noChangeArrowheads="1"/>
-          </p:cNvPicPr>
-          <p:nvPr/>
-        </p:nvPicPr>
-        <p:blipFill rotWithShape="1">
-          <a:blip r:embed="rId2">
-            <a:extLst>
-              <a:ext uri="{28A0092B-C50C-407E-A947-70E740481C1C}">
-                <a14:useLocalDpi xmlns:a14="http://schemas.microsoft.com/office/drawing/2010/main" val="0"/>
-              </a:ext>
-            </a:extLst>
-          </a:blip>
-          <a:srcRect l="23399" t="42593" r="18845" b="40185"/>
-          <a:stretch/>
-        </p:blipFill>
-        <p:spPr bwMode="auto">
-          <a:xfrm>
-            <a:off x="609600" y="2717800"/>
-            <a:ext cx="3060700" cy="1181100"/>
-          </a:xfrm>
-          <a:prstGeom prst="rect">
-            <a:avLst/>
-          </a:prstGeom>
-          <a:noFill/>
-          <a:extLst>
-            <a:ext uri="{909E8E84-426E-40DD-AFC4-6F175D3DCCD1}">
-              <a14:hiddenFill xmlns:a14="http://schemas.microsoft.com/office/drawing/2010/main">
-                <a:solidFill>
-                  <a:srgbClr val="FFFFFF"/>
-                </a:solidFill>
-              </a14:hiddenFill>
-            </a:ext>
-          </a:extLst>
-        </p:spPr>
-      </p:pic>
-      <p:pic>
-        <p:nvPicPr>
-          <p:cNvPr id="2051" name="Picture 3" descr="C:\Users\StandardUser\Pictures\Untitled 4.jpg"/>
-          <p:cNvPicPr>
-            <a:picLocks noChangeAspect="1" noChangeArrowheads="1"/>
-          </p:cNvPicPr>
-          <p:nvPr/>
-        </p:nvPicPr>
-        <p:blipFill rotWithShape="1">
-          <a:blip r:embed="rId3">
-            <a:extLst>
-              <a:ext uri="{28A0092B-C50C-407E-A947-70E740481C1C}">
-                <a14:useLocalDpi xmlns:a14="http://schemas.microsoft.com/office/drawing/2010/main" val="0"/>
-              </a:ext>
-            </a:extLst>
-          </a:blip>
-          <a:srcRect l="19325" t="40000" r="19085" b="36112"/>
-          <a:stretch/>
-        </p:blipFill>
-        <p:spPr bwMode="auto">
-          <a:xfrm>
-            <a:off x="3962400" y="3981450"/>
-            <a:ext cx="3263900" cy="1638300"/>
-          </a:xfrm>
-          <a:prstGeom prst="rect">
-            <a:avLst/>
-          </a:prstGeom>
-          <a:noFill/>
-          <a:extLst>
-            <a:ext uri="{909E8E84-426E-40DD-AFC4-6F175D3DCCD1}">
-              <a14:hiddenFill xmlns:a14="http://schemas.microsoft.com/office/drawing/2010/main">
-                <a:solidFill>
-                  <a:srgbClr val="FFFFFF"/>
-                </a:solidFill>
-              </a14:hiddenFill>
-            </a:ext>
-          </a:extLst>
-        </p:spPr>
-      </p:pic>
-      <p:pic>
-        <p:nvPicPr>
-          <p:cNvPr id="2052" name="Picture 4" descr="C:\Users\StandardUser\Pictures\Untitled 5.jpg"/>
-          <p:cNvPicPr>
-            <a:picLocks noChangeAspect="1" noChangeArrowheads="1"/>
-          </p:cNvPicPr>
-          <p:nvPr/>
-        </p:nvPicPr>
-        <p:blipFill rotWithShape="1">
-          <a:blip r:embed="rId4">
-            <a:extLst>
-              <a:ext uri="{28A0092B-C50C-407E-A947-70E740481C1C}">
-                <a14:useLocalDpi xmlns:a14="http://schemas.microsoft.com/office/drawing/2010/main" val="0"/>
-              </a:ext>
-            </a:extLst>
-          </a:blip>
-          <a:srcRect l="22680" t="42408" r="22919" b="41296"/>
-          <a:stretch/>
-        </p:blipFill>
-        <p:spPr bwMode="auto">
-          <a:xfrm>
-            <a:off x="609600" y="4343400"/>
-            <a:ext cx="2882900" cy="1117600"/>
-          </a:xfrm>
-          <a:prstGeom prst="rect">
-            <a:avLst/>
-          </a:prstGeom>
-          <a:noFill/>
-          <a:extLst>
-            <a:ext uri="{909E8E84-426E-40DD-AFC4-6F175D3DCCD1}">
-              <a14:hiddenFill xmlns:a14="http://schemas.microsoft.com/office/drawing/2010/main">
-                <a:solidFill>
-                  <a:srgbClr val="FFFFFF"/>
-                </a:solidFill>
-              </a14:hiddenFill>
-            </a:ext>
-          </a:extLst>
-        </p:spPr>
-      </p:pic>
-      <p:pic>
-        <p:nvPicPr>
-          <p:cNvPr id="2053" name="Picture 5" descr="C:\Users\StandardUser\Pictures\Untitled 2.jpg"/>
-          <p:cNvPicPr>
-            <a:picLocks noChangeAspect="1" noChangeArrowheads="1"/>
-          </p:cNvPicPr>
-          <p:nvPr/>
-        </p:nvPicPr>
-        <p:blipFill rotWithShape="1">
-          <a:blip r:embed="rId5">
-            <a:extLst>
-              <a:ext uri="{28A0092B-C50C-407E-A947-70E740481C1C}">
-                <a14:useLocalDpi xmlns:a14="http://schemas.microsoft.com/office/drawing/2010/main" val="0"/>
-              </a:ext>
-            </a:extLst>
-          </a:blip>
-          <a:srcRect l="9260" t="14815" r="35141" b="59074"/>
-          <a:stretch/>
-        </p:blipFill>
-        <p:spPr bwMode="auto">
-          <a:xfrm>
-            <a:off x="4292600" y="2108200"/>
-            <a:ext cx="2946400" cy="1790700"/>
-          </a:xfrm>
-          <a:prstGeom prst="rect">
-            <a:avLst/>
-          </a:prstGeom>
-          <a:noFill/>
-          <a:extLst>
-            <a:ext uri="{909E8E84-426E-40DD-AFC4-6F175D3DCCD1}">
-              <a14:hiddenFill xmlns:a14="http://schemas.microsoft.com/office/drawing/2010/main">
-                <a:solidFill>
-                  <a:srgbClr val="FFFFFF"/>
-                </a:solidFill>
-              </a14:hiddenFill>
-            </a:ext>
-          </a:extLst>
-        </p:spPr>
-      </p:pic>
-    </p:spTree>
-    <p:extLst>
-      <p:ext uri="{BB962C8B-B14F-4D97-AF65-F5344CB8AC3E}">
-        <p14:creationId xmlns:p14="http://schemas.microsoft.com/office/powerpoint/2010/main" val="2786815531"/>
-      </p:ext>
-    </p:extLst>
-  </p:cSld>
-  <p:clrMapOvr>
-    <a:masterClrMapping/>
-  </p:clrMapOvr>
-  <p:timing>
-    <p:tnLst>
-      <p:par>
-        <p:cTn id="1" dur="indefinite" restart="never" nodeType="tmRoot"/>
-      </p:par>
-    </p:tnLst>
-  </p:timing>
-</p:sld>
-</file>
-
-<file path=ppt/slides/slide12.xml><?xml version="1.0" encoding="utf-8"?>
-<p:sld xmlns:a="http://schemas.openxmlformats.org/drawingml/2006/main" xmlns:r="http://schemas.openxmlformats.org/officeDocument/2006/relationships" xmlns:p="http://schemas.openxmlformats.org/presentationml/2006/main">
-  <p:cSld>
-    <p:spTree>
-      <p:nvGrpSpPr>
-        <p:cNvPr id="1" name=""/>
-        <p:cNvGrpSpPr/>
-        <p:nvPr/>
-      </p:nvGrpSpPr>
-      <p:grpSpPr>
-        <a:xfrm>
-          <a:off x="0" y="0"/>
-          <a:ext cx="0" cy="0"/>
-          <a:chOff x="0" y="0"/>
-          <a:chExt cx="0" cy="0"/>
-        </a:xfrm>
-      </p:grpSpPr>
-      <p:sp>
-        <p:nvSpPr>
-          <p:cNvPr id="2" name="Title 1"/>
-          <p:cNvSpPr>
-            <a:spLocks noGrp="1"/>
-          </p:cNvSpPr>
-          <p:nvPr>
-            <p:ph type="title"/>
-          </p:nvPr>
-        </p:nvSpPr>
         <p:spPr>
           <a:xfrm>
             <a:off x="457200" y="1219200"/>
@@ -34381,13 +33902,21 @@
         </p:spPr>
         <p:txBody>
           <a:bodyPr>
-            <a:normAutofit fontScale="90000"/>
+            <a:normAutofit/>
           </a:bodyPr>
           <a:lstStyle/>
           <a:p>
             <a:r>
               <a:rPr lang="en-US" dirty="0" smtClean="0"/>
-              <a:t>So we found someone else’s code to do it</a:t>
+              <a:t>Still a lot of </a:t>
+            </a:r>
+            <a:r>
+              <a:rPr lang="en-US" dirty="0" err="1" smtClean="0"/>
+              <a:t>maths</a:t>
+            </a:r>
+            <a:r>
+              <a:rPr lang="en-US" dirty="0" smtClean="0"/>
+              <a:t>…</a:t>
             </a:r>
             <a:endParaRPr lang="en-US" dirty="0"/>
           </a:p>
@@ -34615,7 +34144,7 @@
 </p:sld>
 </file>
 
-<file path=ppt/slides/slide13.xml><?xml version="1.0" encoding="utf-8"?>
+<file path=ppt/slides/slide11.xml><?xml version="1.0" encoding="utf-8"?>
 <p:sld xmlns:a="http://schemas.openxmlformats.org/drawingml/2006/main" xmlns:r="http://schemas.openxmlformats.org/officeDocument/2006/relationships" xmlns:p="http://schemas.openxmlformats.org/presentationml/2006/main">
   <p:cSld>
     <p:spTree>
@@ -34644,17 +34173,24 @@
         </p:nvSpPr>
         <p:spPr/>
         <p:txBody>
-          <a:bodyPr/>
+          <a:bodyPr>
+            <a:normAutofit fontScale="90000"/>
+          </a:bodyPr>
           <a:lstStyle/>
           <a:p>
             <a:r>
-              <a:rPr lang="en-US" dirty="0" err="1" smtClean="0"/>
-              <a:t>Arduino</a:t>
+              <a:rPr lang="en-US" dirty="0" smtClean="0">
+                <a:ea typeface="Corbel"/>
+              </a:rPr>
+              <a:t>Robotic Reconfigurable Button Basher</a:t>
             </a:r>
             <a:r>
               <a:rPr lang="en-US" dirty="0" smtClean="0"/>
-              <a:t> Uno</a:t>
+              <a:t/>
             </a:r>
+            <a:br>
+              <a:rPr lang="en-US" dirty="0" smtClean="0"/>
+            </a:br>
             <a:endParaRPr lang="en-US" dirty="0"/>
           </a:p>
         </p:txBody>
@@ -34671,39 +34207,50 @@
         </p:nvSpPr>
         <p:spPr/>
         <p:txBody>
-          <a:bodyPr>
-            <a:normAutofit fontScale="92500" lnSpcReduction="10000"/>
-          </a:bodyPr>
+          <a:bodyPr/>
           <a:lstStyle/>
           <a:p>
             <a:r>
+              <a:rPr lang="en-US" dirty="0" err="1">
+                <a:solidFill>
+                  <a:srgbClr val="000000"/>
+                </a:solidFill>
+              </a:rPr>
+              <a:t>Arduino</a:t>
+            </a:r>
+            <a:r>
+              <a:rPr lang="en-US" dirty="0">
+                <a:solidFill>
+                  <a:srgbClr val="000000"/>
+                </a:solidFill>
+              </a:rPr>
+              <a:t> microcontroller</a:t>
+            </a:r>
+            <a:endParaRPr lang="en-US" dirty="0"/>
+          </a:p>
+          <a:p>
+            <a:r>
               <a:rPr lang="en-US" dirty="0" smtClean="0"/>
-              <a:t>Standard robotic hobby microcontroller board</a:t>
+              <a:t>3-d printed parts</a:t>
             </a:r>
           </a:p>
           <a:p>
             <a:r>
               <a:rPr lang="en-US" dirty="0" smtClean="0"/>
-              <a:t>Open source code for controlling a delta robot by Dan Royer (marginallyclever.com)</a:t>
+              <a:t>Open source code and design for a delta robot by Dan Royer (marginallyclever.com)</a:t>
             </a:r>
           </a:p>
           <a:p>
             <a:pPr lvl="1"/>
             <a:r>
               <a:rPr lang="en-US" dirty="0" smtClean="0"/>
-              <a:t>Uses serial port communication to control the movement of the robot </a:t>
+              <a:t>Uses serial port communication to control the movement of the robot</a:t>
             </a:r>
           </a:p>
           <a:p>
             <a:r>
               <a:rPr lang="en-US" dirty="0" smtClean="0"/>
-              <a:t>Easy to tweak functionality for pressing buttons instead of manufacturing</a:t>
-            </a:r>
-          </a:p>
-          <a:p>
-            <a:r>
-              <a:rPr lang="en-US" dirty="0" smtClean="0"/>
-              <a:t>Easy to control with a Python program</a:t>
+              <a:t>Available as a kit, or DIY</a:t>
             </a:r>
             <a:endParaRPr lang="en-US" dirty="0"/>
           </a:p>
@@ -34712,24 +34259,17 @@
     </p:spTree>
     <p:extLst>
       <p:ext uri="{BB962C8B-B14F-4D97-AF65-F5344CB8AC3E}">
-        <p14:creationId xmlns:p14="http://schemas.microsoft.com/office/powerpoint/2010/main" val="708849682"/>
+        <p14:creationId xmlns:p14="http://schemas.microsoft.com/office/powerpoint/2010/main" val="3273893434"/>
       </p:ext>
     </p:extLst>
   </p:cSld>
   <p:clrMapOvr>
     <a:masterClrMapping/>
   </p:clrMapOvr>
-  <p:timing>
-    <p:tnLst>
-      <p:par>
-        <p:cTn id="1" dur="indefinite" restart="never" nodeType="tmRoot"/>
-      </p:par>
-    </p:tnLst>
-  </p:timing>
 </p:sld>
 </file>
 
-<file path=ppt/slides/slide14.xml><?xml version="1.0" encoding="utf-8"?>
+<file path=ppt/slides/slide12.xml><?xml version="1.0" encoding="utf-8"?>
 <p:sld xmlns:a="http://schemas.openxmlformats.org/drawingml/2006/main" xmlns:r="http://schemas.openxmlformats.org/officeDocument/2006/relationships" xmlns:p="http://schemas.openxmlformats.org/presentationml/2006/main">
   <p:cSld>
     <p:spTree>
@@ -34782,14 +34322,38 @@
         <p:spPr/>
         <p:txBody>
           <a:bodyPr>
-            <a:normAutofit fontScale="92500" lnSpcReduction="20000"/>
+            <a:normAutofit fontScale="85000" lnSpcReduction="10000"/>
           </a:bodyPr>
           <a:lstStyle/>
           <a:p>
             <a:r>
               <a:rPr lang="en-US" dirty="0" smtClean="0"/>
-              <a:t>The original delta robot kit was modified to have its tool be a touch-screen stylus tip for pressing buttons</a:t>
+              <a:t>The original delta robot kit was modified to have its tool be a touch-screen stylus tip for pressing </a:t>
             </a:r>
+            <a:r>
+              <a:rPr lang="en-US" dirty="0" smtClean="0"/>
+              <a:t>buttons</a:t>
+            </a:r>
+          </a:p>
+          <a:p>
+            <a:pPr lvl="1"/>
+            <a:r>
+              <a:rPr lang="en-US" dirty="0">
+                <a:solidFill>
+                  <a:srgbClr val="000000"/>
+                </a:solidFill>
+              </a:rPr>
+              <a:t>Important: Stylus tip needs to be </a:t>
+            </a:r>
+            <a:r>
+              <a:rPr lang="en-US" dirty="0" smtClean="0">
+                <a:solidFill>
+                  <a:srgbClr val="000000"/>
+                </a:solidFill>
+              </a:rPr>
+              <a:t>grounded</a:t>
+            </a:r>
+            <a:endParaRPr lang="en-US" dirty="0" smtClean="0"/>
           </a:p>
           <a:p>
             <a:r>
@@ -34832,7 +34396,7 @@
 </p:sld>
 </file>
 
-<file path=ppt/slides/slide15.xml><?xml version="1.0" encoding="utf-8"?>
+<file path=ppt/slides/slide13.xml><?xml version="1.0" encoding="utf-8"?>
 <p:sld xmlns:a="http://schemas.openxmlformats.org/drawingml/2006/main" xmlns:r="http://schemas.openxmlformats.org/officeDocument/2006/relationships" xmlns:p="http://schemas.openxmlformats.org/presentationml/2006/main">
   <p:cSld>
     <p:spTree>
@@ -34935,7 +34499,7 @@
 </p:sld>
 </file>
 
-<file path=ppt/slides/slide16.xml><?xml version="1.0" encoding="utf-8"?>
+<file path=ppt/slides/slide14.xml><?xml version="1.0" encoding="utf-8"?>
 <p:sld xmlns:a="http://schemas.openxmlformats.org/drawingml/2006/main" xmlns:r="http://schemas.openxmlformats.org/officeDocument/2006/relationships" xmlns:p="http://schemas.openxmlformats.org/presentationml/2006/main">
   <p:cSld>
     <p:spTree>
@@ -34998,7 +34562,7 @@
         <p:spPr/>
         <p:txBody>
           <a:bodyPr>
-            <a:normAutofit fontScale="92500" lnSpcReduction="10000"/>
+            <a:normAutofit/>
           </a:bodyPr>
           <a:lstStyle/>
           <a:p>
@@ -35022,15 +34586,17 @@
             </a:r>
           </a:p>
           <a:p>
+            <a:pPr>
+              <a:buFont typeface="Arial"/>
+              <a:buChar char="•"/>
+            </a:pPr>
             <a:r>
-              <a:rPr lang="en-US" dirty="0" smtClean="0"/>
-              <a:t>No mechanical motion = faster button pressing</a:t>
-            </a:r>
-          </a:p>
-          <a:p>
-            <a:r>
-              <a:rPr lang="en-US" dirty="0" smtClean="0"/>
-              <a:t>More user configuration required to manually place the electrodes</a:t>
+              <a:rPr lang="en-US" dirty="0">
+                <a:solidFill>
+                  <a:srgbClr val="000000"/>
+                </a:solidFill>
+              </a:rPr>
+              <a:t>Faster, Better, Cheaper (~$50)</a:t>
             </a:r>
             <a:endParaRPr lang="en-US" dirty="0"/>
           </a:p>
@@ -35056,7 +34622,7 @@
 </p:sld>
 </file>
 
-<file path=ppt/slides/slide17.xml><?xml version="1.0" encoding="utf-8"?>
+<file path=ppt/slides/slide15.xml><?xml version="1.0" encoding="utf-8"?>
 <p:sld xmlns:a="http://schemas.openxmlformats.org/drawingml/2006/main" xmlns:r="http://schemas.openxmlformats.org/officeDocument/2006/relationships" xmlns:p="http://schemas.openxmlformats.org/presentationml/2006/main">
   <p:cSld>
     <p:spTree>
@@ -35090,7 +34656,13 @@
           <a:p>
             <a:r>
               <a:rPr lang="en-US" dirty="0" smtClean="0"/>
-              <a:t>C3BO continued</a:t>
+              <a:t>C3BO </a:t>
+            </a:r>
+            <a:r>
+              <a:rPr lang="en-US" dirty="0" smtClean="0">
+                <a:sym typeface="Wingdings" pitchFamily="2" charset="2"/>
+              </a:rPr>
+              <a:t>:(</a:t>
             </a:r>
             <a:endParaRPr lang="en-US" dirty="0"/>
           </a:p>
@@ -35113,15 +34685,9 @@
           <a:p>
             <a:r>
               <a:rPr lang="en-US" dirty="0" smtClean="0"/>
-              <a:t>Cheaper than R2B2 ( ~ $50)</a:t>
+              <a:t>Doesn’t work.</a:t>
             </a:r>
-          </a:p>
-          <a:p>
-            <a:r>
-              <a:rPr lang="en-US" dirty="0" smtClean="0"/>
-              <a:t>Nearly the same software for controlling/detecting device state changes with camera</a:t>
-            </a:r>
-            <a:endParaRPr lang="en-US" dirty="0"/>
+            <a:endParaRPr lang="en-US" dirty="0" smtClean="0"/>
           </a:p>
         </p:txBody>
       </p:sp>
@@ -35145,7 +34711,7 @@
 </p:sld>
 </file>
 
-<file path=ppt/slides/slide18.xml><?xml version="1.0" encoding="utf-8"?>
+<file path=ppt/slides/slide16.xml><?xml version="1.0" encoding="utf-8"?>
 <p:sld xmlns:a="http://schemas.openxmlformats.org/drawingml/2006/main" xmlns:r="http://schemas.openxmlformats.org/officeDocument/2006/relationships" xmlns:p="http://schemas.openxmlformats.org/presentationml/2006/main">
   <p:cSld>
     <p:spTree>
@@ -35256,14 +34822,13 @@
             </a:r>
             <a:r>
               <a:rPr lang="en-US" dirty="0" smtClean="0"/>
-              <a:t> (danielamitay.com) phone app PIN list</a:t>
+              <a:t> (danielamitay.com) phone app PIN </a:t>
             </a:r>
-          </a:p>
-          <a:p>
             <a:r>
               <a:rPr lang="en-US" dirty="0" smtClean="0"/>
-              <a:t>And we get…</a:t>
+              <a:t>list</a:t>
             </a:r>
+            <a:endParaRPr lang="en-US" dirty="0" smtClean="0"/>
           </a:p>
         </p:txBody>
       </p:sp>
@@ -35287,7 +34852,7 @@
 </p:sld>
 </file>
 
-<file path=ppt/slides/slide19.xml><?xml version="1.0" encoding="utf-8"?>
+<file path=ppt/slides/slide17.xml><?xml version="1.0" encoding="utf-8"?>
 <p:sld xmlns:a="http://schemas.openxmlformats.org/drawingml/2006/main" xmlns:r="http://schemas.openxmlformats.org/officeDocument/2006/relationships" xmlns:p="http://schemas.openxmlformats.org/presentationml/2006/main">
   <p:cSld>
     <p:spTree>
@@ -35306,7 +34871,7 @@
       </p:grpSpPr>
       <p:graphicFrame>
         <p:nvGraphicFramePr>
-          <p:cNvPr id="4" name="Content Placeholder 6"/>
+          <p:cNvPr id="6" name="Content Placeholder 5"/>
           <p:cNvGraphicFramePr>
             <a:graphicFrameLocks noGrp="1"/>
           </p:cNvGraphicFramePr>
@@ -35314,14 +34879,14 @@
             <p:ph sz="quarter" idx="13"/>
             <p:extLst>
               <p:ext uri="{D42A27DB-BD31-4B8C-83A1-F6EECF244321}">
-                <p14:modId xmlns:p14="http://schemas.microsoft.com/office/powerpoint/2010/main" val="2688477708"/>
+                <p14:modId xmlns:p14="http://schemas.microsoft.com/office/powerpoint/2010/main" val="828713755"/>
               </p:ext>
             </p:extLst>
           </p:nvPr>
         </p:nvGraphicFramePr>
         <p:xfrm>
-          <a:off x="457200" y="1447800"/>
-          <a:ext cx="8077200" cy="4191000"/>
+          <a:off x="228600" y="1219200"/>
+          <a:ext cx="8534400" cy="4419600"/>
         </p:xfrm>
         <a:graphic>
           <a:graphicData uri="http://schemas.openxmlformats.org/drawingml/2006/chart">
@@ -35342,237 +34907,7 @@
 </p:sld>
 </file>
 
-<file path=ppt/slides/slide2.xml><?xml version="1.0" encoding="utf-8"?>
-<p:sld xmlns:a="http://schemas.openxmlformats.org/drawingml/2006/main" xmlns:r="http://schemas.openxmlformats.org/officeDocument/2006/relationships" xmlns:p="http://schemas.openxmlformats.org/presentationml/2006/main">
-  <p:cSld>
-    <p:spTree>
-      <p:nvGrpSpPr>
-        <p:cNvPr id="1" name=""/>
-        <p:cNvGrpSpPr/>
-        <p:nvPr/>
-      </p:nvGrpSpPr>
-      <p:grpSpPr>
-        <a:xfrm>
-          <a:off x="0" y="0"/>
-          <a:ext cx="0" cy="0"/>
-          <a:chOff x="0" y="0"/>
-          <a:chExt cx="0" cy="0"/>
-        </a:xfrm>
-      </p:grpSpPr>
-      <p:sp>
-        <p:nvSpPr>
-          <p:cNvPr id="2" name="Content Placeholder 1"/>
-          <p:cNvSpPr>
-            <a:spLocks noGrp="1"/>
-          </p:cNvSpPr>
-          <p:nvPr>
-            <p:ph idx="1"/>
-          </p:nvPr>
-        </p:nvSpPr>
-        <p:spPr/>
-        <p:txBody>
-          <a:bodyPr/>
-          <a:lstStyle/>
-          <a:p>
-            <a:r>
-              <a:rPr lang="en-US" dirty="0" smtClean="0"/>
-              <a:t>Current PIN Cracking Methods</a:t>
-            </a:r>
-          </a:p>
-          <a:p>
-            <a:r>
-              <a:rPr lang="en-US" dirty="0" smtClean="0"/>
-              <a:t>Cracking with Robots</a:t>
-            </a:r>
-          </a:p>
-          <a:p>
-            <a:r>
-              <a:rPr lang="en-US" dirty="0" smtClean="0"/>
-              <a:t>R2B2</a:t>
-            </a:r>
-          </a:p>
-          <a:p>
-            <a:r>
-              <a:rPr lang="en-US" dirty="0" smtClean="0"/>
-              <a:t>C3BO</a:t>
-            </a:r>
-          </a:p>
-          <a:p>
-            <a:r>
-              <a:rPr lang="en-US" dirty="0" smtClean="0"/>
-              <a:t>Defeating the Robots</a:t>
-            </a:r>
-          </a:p>
-          <a:p>
-            <a:endParaRPr lang="en-US" dirty="0" smtClean="0"/>
-          </a:p>
-        </p:txBody>
-      </p:sp>
-      <p:sp>
-        <p:nvSpPr>
-          <p:cNvPr id="3" name="Title 2"/>
-          <p:cNvSpPr>
-            <a:spLocks noGrp="1"/>
-          </p:cNvSpPr>
-          <p:nvPr>
-            <p:ph type="title"/>
-          </p:nvPr>
-        </p:nvSpPr>
-        <p:spPr/>
-        <p:txBody>
-          <a:bodyPr/>
-          <a:lstStyle/>
-          <a:p>
-            <a:r>
-              <a:rPr lang="en-US" dirty="0" smtClean="0"/>
-              <a:t>Agenda</a:t>
-            </a:r>
-            <a:endParaRPr lang="en-US" dirty="0"/>
-          </a:p>
-        </p:txBody>
-      </p:sp>
-    </p:spTree>
-    <p:extLst>
-      <p:ext uri="{BB962C8B-B14F-4D97-AF65-F5344CB8AC3E}">
-        <p14:creationId xmlns:p14="http://schemas.microsoft.com/office/powerpoint/2010/main" val="2513838699"/>
-      </p:ext>
-    </p:extLst>
-  </p:cSld>
-  <p:clrMapOvr>
-    <a:masterClrMapping/>
-  </p:clrMapOvr>
-  <p:timing>
-    <p:tnLst>
-      <p:par>
-        <p:cTn id="1" dur="indefinite" restart="never" nodeType="tmRoot"/>
-      </p:par>
-    </p:tnLst>
-  </p:timing>
-</p:sld>
-</file>
-
-<file path=ppt/slides/slide20.xml><?xml version="1.0" encoding="utf-8"?>
-<p:sld xmlns:a="http://schemas.openxmlformats.org/drawingml/2006/main" xmlns:r="http://schemas.openxmlformats.org/officeDocument/2006/relationships" xmlns:p="http://schemas.openxmlformats.org/presentationml/2006/main">
-  <p:cSld>
-    <p:spTree>
-      <p:nvGrpSpPr>
-        <p:cNvPr id="1" name=""/>
-        <p:cNvGrpSpPr/>
-        <p:nvPr/>
-      </p:nvGrpSpPr>
-      <p:grpSpPr>
-        <a:xfrm>
-          <a:off x="0" y="0"/>
-          <a:ext cx="0" cy="0"/>
-          <a:chOff x="0" y="0"/>
-          <a:chExt cx="0" cy="0"/>
-        </a:xfrm>
-      </p:grpSpPr>
-      <p:sp>
-        <p:nvSpPr>
-          <p:cNvPr id="2" name="Title 1"/>
-          <p:cNvSpPr>
-            <a:spLocks noGrp="1"/>
-          </p:cNvSpPr>
-          <p:nvPr>
-            <p:ph type="title"/>
-          </p:nvPr>
-        </p:nvSpPr>
-        <p:spPr/>
-        <p:txBody>
-          <a:bodyPr/>
-          <a:lstStyle/>
-          <a:p>
-            <a:r>
-              <a:rPr lang="en-US" dirty="0" smtClean="0"/>
-              <a:t>Challenges</a:t>
-            </a:r>
-            <a:endParaRPr lang="en-US" dirty="0"/>
-          </a:p>
-        </p:txBody>
-      </p:sp>
-      <p:sp>
-        <p:nvSpPr>
-          <p:cNvPr id="3" name="Content Placeholder 2"/>
-          <p:cNvSpPr>
-            <a:spLocks noGrp="1"/>
-          </p:cNvSpPr>
-          <p:nvPr>
-            <p:ph sz="quarter" idx="13"/>
-          </p:nvPr>
-        </p:nvSpPr>
-        <p:spPr/>
-        <p:txBody>
-          <a:bodyPr>
-            <a:normAutofit fontScale="92500"/>
-          </a:bodyPr>
-          <a:lstStyle/>
-          <a:p>
-            <a:r>
-              <a:rPr lang="en-US" dirty="0" smtClean="0"/>
-              <a:t>Detecting button values:</a:t>
-            </a:r>
-          </a:p>
-          <a:p>
-            <a:pPr lvl="1"/>
-            <a:r>
-              <a:rPr lang="en-US" dirty="0" smtClean="0"/>
-              <a:t>Too tough to reliably do on all devices</a:t>
-            </a:r>
-          </a:p>
-          <a:p>
-            <a:pPr lvl="1"/>
-            <a:r>
-              <a:rPr lang="en-US" dirty="0" smtClean="0"/>
-              <a:t>User set up time is negligible  for a 10-digit keypad</a:t>
-            </a:r>
-          </a:p>
-          <a:p>
-            <a:r>
-              <a:rPr lang="en-US" dirty="0" smtClean="0"/>
-              <a:t>Recognizing delays:</a:t>
-            </a:r>
-          </a:p>
-          <a:p>
-            <a:pPr lvl="1"/>
-            <a:r>
-              <a:rPr lang="en-US" dirty="0" smtClean="0"/>
-              <a:t>Some devices have more easily recognized delay messages than others</a:t>
-            </a:r>
-          </a:p>
-          <a:p>
-            <a:pPr lvl="1"/>
-            <a:r>
-              <a:rPr lang="en-US" dirty="0" smtClean="0"/>
-              <a:t>If necessary, the user can manually input the delay pattern of a device (i.e. 30 seconds every 5 tries)</a:t>
-            </a:r>
-          </a:p>
-          <a:p>
-            <a:endParaRPr lang="en-US" dirty="0" smtClean="0"/>
-          </a:p>
-        </p:txBody>
-      </p:sp>
-    </p:spTree>
-    <p:extLst>
-      <p:ext uri="{BB962C8B-B14F-4D97-AF65-F5344CB8AC3E}">
-        <p14:creationId xmlns:p14="http://schemas.microsoft.com/office/powerpoint/2010/main" val="3058087540"/>
-      </p:ext>
-    </p:extLst>
-  </p:cSld>
-  <p:clrMapOvr>
-    <a:masterClrMapping/>
-  </p:clrMapOvr>
-  <p:timing>
-    <p:tnLst>
-      <p:par>
-        <p:cTn id="1" dur="indefinite" restart="never" nodeType="tmRoot"/>
-      </p:par>
-    </p:tnLst>
-  </p:timing>
-</p:sld>
-</file>
-
-<file path=ppt/slides/slide21.xml><?xml version="1.0" encoding="utf-8"?>
+<file path=ppt/slides/slide18.xml><?xml version="1.0" encoding="utf-8"?>
 <p:sld xmlns:a="http://schemas.openxmlformats.org/drawingml/2006/main" xmlns:r="http://schemas.openxmlformats.org/officeDocument/2006/relationships" xmlns:p="http://schemas.openxmlformats.org/presentationml/2006/main">
   <p:cSld>
     <p:spTree>
@@ -35663,7 +34998,7 @@
 </p:sld>
 </file>
 
-<file path=ppt/slides/slide22.xml><?xml version="1.0" encoding="utf-8"?>
+<file path=ppt/slides/slide19.xml><?xml version="1.0" encoding="utf-8"?>
 <p:sld xmlns:a="http://schemas.openxmlformats.org/drawingml/2006/main" xmlns:r="http://schemas.openxmlformats.org/officeDocument/2006/relationships" xmlns:p="http://schemas.openxmlformats.org/presentationml/2006/main">
   <p:cSld>
     <p:spTree>
@@ -35825,7 +35160,116 @@
 </p:sld>
 </file>
 
-<file path=ppt/slides/slide23.xml><?xml version="1.0" encoding="utf-8"?>
+<file path=ppt/slides/slide2.xml><?xml version="1.0" encoding="utf-8"?>
+<p:sld xmlns:a="http://schemas.openxmlformats.org/drawingml/2006/main" xmlns:r="http://schemas.openxmlformats.org/officeDocument/2006/relationships" xmlns:p="http://schemas.openxmlformats.org/presentationml/2006/main">
+  <p:cSld>
+    <p:spTree>
+      <p:nvGrpSpPr>
+        <p:cNvPr id="1" name=""/>
+        <p:cNvGrpSpPr/>
+        <p:nvPr/>
+      </p:nvGrpSpPr>
+      <p:grpSpPr>
+        <a:xfrm>
+          <a:off x="0" y="0"/>
+          <a:ext cx="0" cy="0"/>
+          <a:chOff x="0" y="0"/>
+          <a:chExt cx="0" cy="0"/>
+        </a:xfrm>
+      </p:grpSpPr>
+      <p:sp>
+        <p:nvSpPr>
+          <p:cNvPr id="2" name="Content Placeholder 1"/>
+          <p:cNvSpPr>
+            <a:spLocks noGrp="1"/>
+          </p:cNvSpPr>
+          <p:nvPr>
+            <p:ph idx="1"/>
+          </p:nvPr>
+        </p:nvSpPr>
+        <p:spPr/>
+        <p:txBody>
+          <a:bodyPr/>
+          <a:lstStyle/>
+          <a:p>
+            <a:r>
+              <a:rPr lang="en-US" dirty="0" smtClean="0"/>
+              <a:t>Current PIN Cracking Methods</a:t>
+            </a:r>
+          </a:p>
+          <a:p>
+            <a:r>
+              <a:rPr lang="en-US" dirty="0" smtClean="0"/>
+              <a:t>Cracking with Robots</a:t>
+            </a:r>
+          </a:p>
+          <a:p>
+            <a:r>
+              <a:rPr lang="en-US" dirty="0" smtClean="0"/>
+              <a:t>R2B2</a:t>
+            </a:r>
+          </a:p>
+          <a:p>
+            <a:r>
+              <a:rPr lang="en-US" dirty="0" smtClean="0"/>
+              <a:t>C3BO</a:t>
+            </a:r>
+          </a:p>
+          <a:p>
+            <a:r>
+              <a:rPr lang="en-US" dirty="0" smtClean="0"/>
+              <a:t>Defeating the Robots</a:t>
+            </a:r>
+          </a:p>
+          <a:p>
+            <a:endParaRPr lang="en-US" dirty="0" smtClean="0"/>
+          </a:p>
+        </p:txBody>
+      </p:sp>
+      <p:sp>
+        <p:nvSpPr>
+          <p:cNvPr id="3" name="Title 2"/>
+          <p:cNvSpPr>
+            <a:spLocks noGrp="1"/>
+          </p:cNvSpPr>
+          <p:nvPr>
+            <p:ph type="title"/>
+          </p:nvPr>
+        </p:nvSpPr>
+        <p:spPr/>
+        <p:txBody>
+          <a:bodyPr/>
+          <a:lstStyle/>
+          <a:p>
+            <a:r>
+              <a:rPr lang="en-US" dirty="0" smtClean="0"/>
+              <a:t>Agenda</a:t>
+            </a:r>
+            <a:endParaRPr lang="en-US" dirty="0"/>
+          </a:p>
+        </p:txBody>
+      </p:sp>
+    </p:spTree>
+    <p:extLst>
+      <p:ext uri="{BB962C8B-B14F-4D97-AF65-F5344CB8AC3E}">
+        <p14:creationId xmlns:p14="http://schemas.microsoft.com/office/powerpoint/2010/main" val="2513838699"/>
+      </p:ext>
+    </p:extLst>
+  </p:cSld>
+  <p:clrMapOvr>
+    <a:masterClrMapping/>
+  </p:clrMapOvr>
+  <p:timing>
+    <p:tnLst>
+      <p:par>
+        <p:cTn id="1" dur="indefinite" restart="never" nodeType="tmRoot"/>
+      </p:par>
+    </p:tnLst>
+  </p:timing>
+</p:sld>
+</file>
+
+<file path=ppt/slides/slide20.xml><?xml version="1.0" encoding="utf-8"?>
 <p:sld xmlns:a="http://schemas.openxmlformats.org/drawingml/2006/main" xmlns:r="http://schemas.openxmlformats.org/officeDocument/2006/relationships" xmlns:p="http://schemas.openxmlformats.org/presentationml/2006/main">
   <p:cSld>
     <p:spTree>
@@ -35920,7 +35364,7 @@
 </p:sld>
 </file>
 
-<file path=ppt/slides/slide24.xml><?xml version="1.0" encoding="utf-8"?>
+<file path=ppt/slides/slide21.xml><?xml version="1.0" encoding="utf-8"?>
 <p:sld xmlns:a="http://schemas.openxmlformats.org/drawingml/2006/main" xmlns:r="http://schemas.openxmlformats.org/officeDocument/2006/relationships" xmlns:p="http://schemas.openxmlformats.org/presentationml/2006/main">
   <p:cSld>
     <p:spTree>
@@ -35950,97 +35394,464 @@
         <p:spPr/>
         <p:txBody>
           <a:bodyPr>
-            <a:normAutofit/>
+            <a:normAutofit fontScale="90000"/>
           </a:bodyPr>
           <a:lstStyle/>
           <a:p>
             <a:r>
               <a:rPr lang="en-US" dirty="0" smtClean="0"/>
-              <a:t>Are these robots useful, then?</a:t>
+              <a:t>Defeating the Robots For Users</a:t>
             </a:r>
             <a:endParaRPr lang="en-US" dirty="0"/>
           </a:p>
         </p:txBody>
       </p:sp>
-      <p:sp>
-        <p:nvSpPr>
-          <p:cNvPr id="3" name="Content Placeholder 2"/>
-          <p:cNvSpPr>
-            <a:spLocks noGrp="1"/>
-          </p:cNvSpPr>
+      <p:graphicFrame>
+        <p:nvGraphicFramePr>
+          <p:cNvPr id="5" name="Table 2"/>
+          <p:cNvGraphicFramePr/>
           <p:nvPr>
-            <p:ph sz="quarter" idx="13"/>
+            <p:extLst>
+              <p:ext uri="{D42A27DB-BD31-4B8C-83A1-F6EECF244321}">
+                <p14:modId xmlns:p14="http://schemas.microsoft.com/office/powerpoint/2010/main" val="2227991224"/>
+              </p:ext>
+            </p:extLst>
           </p:nvPr>
-        </p:nvSpPr>
-        <p:spPr/>
-        <p:txBody>
-          <a:bodyPr>
-            <a:normAutofit fontScale="92500" lnSpcReduction="10000"/>
-          </a:bodyPr>
-          <a:lstStyle/>
-          <a:p>
-            <a:r>
-              <a:rPr lang="en-US" dirty="0" smtClean="0"/>
-              <a:t>Compared to R2B2:</a:t>
-            </a:r>
-          </a:p>
-          <a:p>
-            <a:pPr lvl="1"/>
-            <a:r>
-              <a:rPr lang="en-US" dirty="0" smtClean="0"/>
-              <a:t>Jailbreak + Bypass: Best if available</a:t>
-            </a:r>
-          </a:p>
-          <a:p>
-            <a:pPr lvl="1"/>
-            <a:r>
-              <a:rPr lang="en-US" dirty="0" smtClean="0"/>
-              <a:t>Keyboard Emulator: The fastest brute-forcing</a:t>
-            </a:r>
-            <a:endParaRPr lang="en-US" dirty="0"/>
-          </a:p>
-          <a:p>
-            <a:pPr lvl="1"/>
-            <a:r>
-              <a:rPr lang="en-US" dirty="0"/>
-              <a:t>C3BO: </a:t>
-            </a:r>
-            <a:r>
-              <a:rPr lang="en-US" dirty="0" smtClean="0"/>
-              <a:t>Usable on any capacitive touch keyboard, a bit slower and more setup required than a keyboard emulator</a:t>
-            </a:r>
-          </a:p>
-          <a:p>
-            <a:pPr lvl="1"/>
-            <a:r>
-              <a:rPr lang="en-US" dirty="0" smtClean="0"/>
-              <a:t>R2B2: Flexible and usable on basically any PIN protected device but slower and more cumbersome</a:t>
-            </a:r>
-            <a:endParaRPr lang="en-US" dirty="0"/>
-          </a:p>
-        </p:txBody>
-      </p:sp>
+        </p:nvGraphicFramePr>
+        <p:xfrm>
+          <a:off x="685800" y="2057400"/>
+          <a:ext cx="6814440" cy="3810000"/>
+        </p:xfrm>
+        <a:graphic>
+          <a:graphicData uri="http://schemas.openxmlformats.org/drawingml/2006/table">
+            <a:tbl>
+              <a:tblPr/>
+              <a:tblGrid>
+                <a:gridCol w="1646640"/>
+                <a:gridCol w="1721520"/>
+                <a:gridCol w="3446280"/>
+              </a:tblGrid>
+              <a:tr h="487070">
+                <a:tc>
+                  <a:txBody>
+                    <a:bodyPr/>
+                    <a:lstStyle/>
+                    <a:p>
+                      <a:r>
+                        <a:rPr lang="en-US" sz="1400" b="1" dirty="0"/>
+                        <a:t>PIN character set and length</a:t>
+                      </a:r>
+                      <a:endParaRPr sz="1400" dirty="0"/>
+                    </a:p>
+                  </a:txBody>
+                  <a:tcPr/>
+                </a:tc>
+                <a:tc>
+                  <a:txBody>
+                    <a:bodyPr/>
+                    <a:lstStyle/>
+                    <a:p>
+                      <a:r>
+                        <a:rPr lang="en-US" sz="1400"/>
+                        <a:t>1 PIN per second</a:t>
+                      </a:r>
+                      <a:endParaRPr sz="1400"/>
+                    </a:p>
+                  </a:txBody>
+                  <a:tcPr/>
+                </a:tc>
+                <a:tc>
+                  <a:txBody>
+                    <a:bodyPr/>
+                    <a:lstStyle/>
+                    <a:p>
+                      <a:r>
+                        <a:rPr lang="en-US" sz="1400" dirty="0"/>
+                        <a:t>1 PIN per second, </a:t>
+                      </a:r>
+                      <a:endParaRPr sz="1400" dirty="0"/>
+                    </a:p>
+                    <a:p>
+                      <a:r>
+                        <a:rPr lang="en-US" sz="1400" dirty="0"/>
+                        <a:t>plus 30 seconds every 5 guesses</a:t>
+                      </a:r>
+                      <a:endParaRPr sz="1400" dirty="0"/>
+                    </a:p>
+                  </a:txBody>
+                  <a:tcPr/>
+                </a:tc>
+              </a:tr>
+              <a:tr h="286512">
+                <a:tc>
+                  <a:txBody>
+                    <a:bodyPr/>
+                    <a:lstStyle/>
+                    <a:p>
+                      <a:r>
+                        <a:rPr lang="en-US" sz="1400"/>
+                        <a:t>3 Digits</a:t>
+                      </a:r>
+                      <a:endParaRPr sz="1400"/>
+                    </a:p>
+                  </a:txBody>
+                  <a:tcPr/>
+                </a:tc>
+                <a:tc>
+                  <a:txBody>
+                    <a:bodyPr/>
+                    <a:lstStyle/>
+                    <a:p>
+                      <a:r>
+                        <a:rPr lang="en-US" sz="1400"/>
+                        <a:t>16 Minutes</a:t>
+                      </a:r>
+                      <a:endParaRPr sz="1400"/>
+                    </a:p>
+                  </a:txBody>
+                  <a:tcPr/>
+                </a:tc>
+                <a:tc>
+                  <a:txBody>
+                    <a:bodyPr/>
+                    <a:lstStyle/>
+                    <a:p>
+                      <a:r>
+                        <a:rPr lang="en-US" sz="1400"/>
+                        <a:t>117 Minutes</a:t>
+                      </a:r>
+                      <a:endParaRPr sz="1400"/>
+                    </a:p>
+                  </a:txBody>
+                  <a:tcPr/>
+                </a:tc>
+              </a:tr>
+              <a:tr h="286512">
+                <a:tc>
+                  <a:txBody>
+                    <a:bodyPr/>
+                    <a:lstStyle/>
+                    <a:p>
+                      <a:r>
+                        <a:rPr lang="en-US" sz="1400"/>
+                        <a:t>4 Digits</a:t>
+                      </a:r>
+                      <a:endParaRPr sz="1400"/>
+                    </a:p>
+                  </a:txBody>
+                  <a:tcPr/>
+                </a:tc>
+                <a:tc>
+                  <a:txBody>
+                    <a:bodyPr/>
+                    <a:lstStyle/>
+                    <a:p>
+                      <a:r>
+                        <a:rPr lang="en-US" sz="1400"/>
+                        <a:t>167 Minutes</a:t>
+                      </a:r>
+                      <a:endParaRPr sz="1400"/>
+                    </a:p>
+                  </a:txBody>
+                  <a:tcPr/>
+                </a:tc>
+                <a:tc>
+                  <a:txBody>
+                    <a:bodyPr/>
+                    <a:lstStyle/>
+                    <a:p>
+                      <a:r>
+                        <a:rPr lang="en-US" sz="1400"/>
+                        <a:t>19.4 Hours</a:t>
+                      </a:r>
+                      <a:endParaRPr sz="1400"/>
+                    </a:p>
+                  </a:txBody>
+                  <a:tcPr/>
+                </a:tc>
+              </a:tr>
+              <a:tr h="286512">
+                <a:tc>
+                  <a:txBody>
+                    <a:bodyPr/>
+                    <a:lstStyle/>
+                    <a:p>
+                      <a:r>
+                        <a:rPr lang="en-US" sz="1400"/>
+                        <a:t>5 Digits</a:t>
+                      </a:r>
+                      <a:endParaRPr sz="1400"/>
+                    </a:p>
+                  </a:txBody>
+                  <a:tcPr/>
+                </a:tc>
+                <a:tc>
+                  <a:txBody>
+                    <a:bodyPr/>
+                    <a:lstStyle/>
+                    <a:p>
+                      <a:r>
+                        <a:rPr lang="en-US" sz="1400"/>
+                        <a:t>27 Hours</a:t>
+                      </a:r>
+                      <a:endParaRPr sz="1400"/>
+                    </a:p>
+                  </a:txBody>
+                  <a:tcPr/>
+                </a:tc>
+                <a:tc>
+                  <a:txBody>
+                    <a:bodyPr/>
+                    <a:lstStyle/>
+                    <a:p>
+                      <a:r>
+                        <a:rPr lang="en-US" sz="1400"/>
+                        <a:t>8.1 Days</a:t>
+                      </a:r>
+                      <a:endParaRPr sz="1400"/>
+                    </a:p>
+                  </a:txBody>
+                  <a:tcPr/>
+                </a:tc>
+              </a:tr>
+              <a:tr h="286512">
+                <a:tc>
+                  <a:txBody>
+                    <a:bodyPr/>
+                    <a:lstStyle/>
+                    <a:p>
+                      <a:r>
+                        <a:rPr lang="en-US" sz="1400"/>
+                        <a:t>6 Digits</a:t>
+                      </a:r>
+                      <a:endParaRPr sz="1400"/>
+                    </a:p>
+                  </a:txBody>
+                  <a:tcPr/>
+                </a:tc>
+                <a:tc>
+                  <a:txBody>
+                    <a:bodyPr/>
+                    <a:lstStyle/>
+                    <a:p>
+                      <a:r>
+                        <a:rPr lang="en-US" sz="1400"/>
+                        <a:t>11.8 Days</a:t>
+                      </a:r>
+                      <a:endParaRPr sz="1400"/>
+                    </a:p>
+                  </a:txBody>
+                  <a:tcPr/>
+                </a:tc>
+                <a:tc>
+                  <a:txBody>
+                    <a:bodyPr/>
+                    <a:lstStyle/>
+                    <a:p>
+                      <a:r>
+                        <a:rPr lang="en-US" sz="1400"/>
+                        <a:t>81 Days</a:t>
+                      </a:r>
+                      <a:endParaRPr sz="1400"/>
+                    </a:p>
+                  </a:txBody>
+                  <a:tcPr/>
+                </a:tc>
+              </a:tr>
+              <a:tr h="487070">
+                <a:tc>
+                  <a:txBody>
+                    <a:bodyPr/>
+                    <a:lstStyle/>
+                    <a:p>
+                      <a:r>
+                        <a:rPr lang="en-US" sz="1400"/>
+                        <a:t>4 Lowercase + Digits</a:t>
+                      </a:r>
+                      <a:endParaRPr sz="1400"/>
+                    </a:p>
+                  </a:txBody>
+                  <a:tcPr/>
+                </a:tc>
+                <a:tc>
+                  <a:txBody>
+                    <a:bodyPr/>
+                    <a:lstStyle/>
+                    <a:p>
+                      <a:r>
+                        <a:rPr lang="en-US" sz="1400"/>
+                        <a:t>19.4 Days</a:t>
+                      </a:r>
+                      <a:endParaRPr sz="1400"/>
+                    </a:p>
+                  </a:txBody>
+                  <a:tcPr/>
+                </a:tc>
+                <a:tc>
+                  <a:txBody>
+                    <a:bodyPr/>
+                    <a:lstStyle/>
+                    <a:p>
+                      <a:r>
+                        <a:rPr lang="en-US" sz="1400" dirty="0"/>
+                        <a:t>136 Days</a:t>
+                      </a:r>
+                      <a:endParaRPr sz="1400" dirty="0"/>
+                    </a:p>
+                  </a:txBody>
+                  <a:tcPr/>
+                </a:tc>
+              </a:tr>
+              <a:tr h="487070">
+                <a:tc>
+                  <a:txBody>
+                    <a:bodyPr/>
+                    <a:lstStyle/>
+                    <a:p>
+                      <a:r>
+                        <a:rPr lang="en-US" sz="1400"/>
+                        <a:t>7 Lowercase + Digits</a:t>
+                      </a:r>
+                      <a:endParaRPr sz="1400"/>
+                    </a:p>
+                  </a:txBody>
+                  <a:tcPr/>
+                </a:tc>
+                <a:tc>
+                  <a:txBody>
+                    <a:bodyPr/>
+                    <a:lstStyle/>
+                    <a:p>
+                      <a:r>
+                        <a:rPr lang="en-US" sz="1400"/>
+                        <a:t>2484 Years</a:t>
+                      </a:r>
+                      <a:endParaRPr sz="1400"/>
+                    </a:p>
+                  </a:txBody>
+                  <a:tcPr/>
+                </a:tc>
+                <a:tc>
+                  <a:txBody>
+                    <a:bodyPr/>
+                    <a:lstStyle/>
+                    <a:p>
+                      <a:r>
+                        <a:rPr lang="en-US" sz="1400" dirty="0"/>
+                        <a:t>7.83e10 Centuries</a:t>
+                      </a:r>
+                      <a:endParaRPr sz="1400" dirty="0"/>
+                    </a:p>
+                  </a:txBody>
+                  <a:tcPr/>
+                </a:tc>
+              </a:tr>
+              <a:tr h="487070">
+                <a:tc>
+                  <a:txBody>
+                    <a:bodyPr/>
+                    <a:lstStyle/>
+                    <a:p>
+                      <a:r>
+                        <a:rPr lang="en-US" sz="1400"/>
+                        <a:t>4 Printable ASCII (94)</a:t>
+                      </a:r>
+                      <a:endParaRPr sz="1400"/>
+                    </a:p>
+                  </a:txBody>
+                  <a:tcPr/>
+                </a:tc>
+                <a:tc>
+                  <a:txBody>
+                    <a:bodyPr/>
+                    <a:lstStyle/>
+                    <a:p>
+                      <a:r>
+                        <a:rPr lang="en-US" sz="1400"/>
+                        <a:t>2.48 Years</a:t>
+                      </a:r>
+                      <a:endParaRPr sz="1400"/>
+                    </a:p>
+                  </a:txBody>
+                  <a:tcPr/>
+                </a:tc>
+                <a:tc>
+                  <a:txBody>
+                    <a:bodyPr/>
+                    <a:lstStyle/>
+                    <a:p>
+                      <a:r>
+                        <a:rPr lang="en-US" sz="1400" dirty="0"/>
+                        <a:t>7.81e7 Centuries</a:t>
+                      </a:r>
+                      <a:endParaRPr sz="1400" dirty="0"/>
+                    </a:p>
+                  </a:txBody>
+                  <a:tcPr/>
+                </a:tc>
+              </a:tr>
+              <a:tr h="487070">
+                <a:tc>
+                  <a:txBody>
+                    <a:bodyPr/>
+                    <a:lstStyle/>
+                    <a:p>
+                      <a:r>
+                        <a:rPr lang="en-US" sz="1400"/>
+                        <a:t>7 Printable  ASCII (94)</a:t>
+                      </a:r>
+                      <a:endParaRPr sz="1400"/>
+                    </a:p>
+                  </a:txBody>
+                  <a:tcPr/>
+                </a:tc>
+                <a:tc>
+                  <a:txBody>
+                    <a:bodyPr/>
+                    <a:lstStyle/>
+                    <a:p>
+                      <a:r>
+                        <a:rPr lang="en-US" sz="1400"/>
+                        <a:t>20563 Centuries</a:t>
+                      </a:r>
+                      <a:endParaRPr sz="1400"/>
+                    </a:p>
+                  </a:txBody>
+                  <a:tcPr/>
+                </a:tc>
+                <a:tc>
+                  <a:txBody>
+                    <a:bodyPr/>
+                    <a:lstStyle/>
+                    <a:p>
+                      <a:r>
+                        <a:rPr lang="en-US" sz="1400" dirty="0"/>
+                        <a:t>6.48e13 Centuries</a:t>
+                      </a:r>
+                      <a:endParaRPr sz="1400" dirty="0"/>
+                    </a:p>
+                  </a:txBody>
+                  <a:tcPr/>
+                </a:tc>
+              </a:tr>
+            </a:tbl>
+          </a:graphicData>
+        </a:graphic>
+      </p:graphicFrame>
     </p:spTree>
     <p:extLst>
       <p:ext uri="{BB962C8B-B14F-4D97-AF65-F5344CB8AC3E}">
-        <p14:creationId xmlns:p14="http://schemas.microsoft.com/office/powerpoint/2010/main" val="1490810420"/>
+        <p14:creationId xmlns:p14="http://schemas.microsoft.com/office/powerpoint/2010/main" val="357435342"/>
       </p:ext>
     </p:extLst>
   </p:cSld>
   <p:clrMapOvr>
     <a:masterClrMapping/>
   </p:clrMapOvr>
-  <p:timing>
-    <p:tnLst>
-      <p:par>
-        <p:cTn id="1" dur="indefinite" restart="never" nodeType="tmRoot"/>
-      </p:par>
-    </p:tnLst>
-  </p:timing>
 </p:sld>
 </file>
 
-<file path=ppt/slides/slide25.xml><?xml version="1.0" encoding="utf-8"?>
+<file path=ppt/slides/slide22.xml><?xml version="1.0" encoding="utf-8"?>
 <p:sld xmlns:a="http://schemas.openxmlformats.org/drawingml/2006/main" xmlns:r="http://schemas.openxmlformats.org/officeDocument/2006/relationships" xmlns:p="http://schemas.openxmlformats.org/presentationml/2006/main">
   <p:cSld>
     <p:spTree>
@@ -36113,11 +35924,7 @@
           <a:p>
             <a:r>
               <a:rPr lang="en-US" dirty="0" smtClean="0"/>
-              <a:t>Thanks to Dan Royer for providing the motion control code and robot build </a:t>
-            </a:r>
-            <a:r>
-              <a:rPr lang="en-US" dirty="0" smtClean="0"/>
-              <a:t>plans</a:t>
+              <a:t>Thanks to Dan Royer for providing the motion control code and robot build plans</a:t>
             </a:r>
           </a:p>
           <a:p>
@@ -36139,7 +35946,6 @@
               <a:rPr lang="en-US" dirty="0" smtClean="0"/>
               <a:t>Thanks to David Nichols for analyzing the PIN using apps</a:t>
             </a:r>
-            <a:endParaRPr lang="en-US" dirty="0" smtClean="0"/>
           </a:p>
         </p:txBody>
       </p:sp>
@@ -36160,6 +35966,106 @@
       </p:par>
     </p:tnLst>
   </p:timing>
+</p:sld>
+</file>
+
+<file path=ppt/slides/slide23.xml><?xml version="1.0" encoding="utf-8"?>
+<p:sld xmlns:a="http://schemas.openxmlformats.org/drawingml/2006/main" xmlns:r="http://schemas.openxmlformats.org/officeDocument/2006/relationships" xmlns:p="http://schemas.openxmlformats.org/presentationml/2006/main">
+  <p:cSld>
+    <p:spTree>
+      <p:nvGrpSpPr>
+        <p:cNvPr id="1" name=""/>
+        <p:cNvGrpSpPr/>
+        <p:nvPr/>
+      </p:nvGrpSpPr>
+      <p:grpSpPr>
+        <a:xfrm>
+          <a:off x="0" y="0"/>
+          <a:ext cx="0" cy="0"/>
+          <a:chOff x="0" y="0"/>
+          <a:chExt cx="0" cy="0"/>
+        </a:xfrm>
+      </p:grpSpPr>
+      <p:sp>
+        <p:nvSpPr>
+          <p:cNvPr id="2" name="Title 1"/>
+          <p:cNvSpPr>
+            <a:spLocks noGrp="1"/>
+          </p:cNvSpPr>
+          <p:nvPr>
+            <p:ph type="title"/>
+          </p:nvPr>
+        </p:nvSpPr>
+        <p:spPr/>
+        <p:txBody>
+          <a:bodyPr/>
+          <a:lstStyle/>
+          <a:p>
+            <a:r>
+              <a:rPr lang="en-US" dirty="0" smtClean="0"/>
+              <a:t>Contact Information</a:t>
+            </a:r>
+            <a:endParaRPr lang="en-US" dirty="0"/>
+          </a:p>
+        </p:txBody>
+      </p:sp>
+      <p:sp>
+        <p:nvSpPr>
+          <p:cNvPr id="3" name="Content Placeholder 2"/>
+          <p:cNvSpPr>
+            <a:spLocks noGrp="1"/>
+          </p:cNvSpPr>
+          <p:nvPr>
+            <p:ph sz="quarter" idx="13"/>
+          </p:nvPr>
+        </p:nvSpPr>
+        <p:spPr/>
+        <p:txBody>
+          <a:bodyPr/>
+          <a:lstStyle/>
+          <a:p>
+            <a:r>
+              <a:rPr lang="en-US" dirty="0" smtClean="0"/>
+              <a:t>Justin Engler</a:t>
+            </a:r>
+          </a:p>
+          <a:p>
+            <a:pPr lvl="1"/>
+            <a:r>
+              <a:rPr lang="en-US" dirty="0" smtClean="0"/>
+              <a:t>@</a:t>
+            </a:r>
+            <a:r>
+              <a:rPr lang="en-US" dirty="0" err="1" smtClean="0"/>
+              <a:t>justinengler</a:t>
+            </a:r>
+            <a:endParaRPr lang="en-US" dirty="0" smtClean="0"/>
+          </a:p>
+          <a:p>
+            <a:r>
+              <a:rPr lang="en-US" dirty="0" smtClean="0"/>
+              <a:t>Paul Vines</a:t>
+            </a:r>
+          </a:p>
+          <a:p>
+            <a:pPr lvl="1"/>
+            <a:r>
+              <a:rPr lang="en-US" dirty="0" smtClean="0"/>
+              <a:t>plvines@uw.edu</a:t>
+            </a:r>
+          </a:p>
+        </p:txBody>
+      </p:sp>
+    </p:spTree>
+    <p:extLst>
+      <p:ext uri="{BB962C8B-B14F-4D97-AF65-F5344CB8AC3E}">
+        <p14:creationId xmlns:p14="http://schemas.microsoft.com/office/powerpoint/2010/main" val="953485195"/>
+      </p:ext>
+    </p:extLst>
+  </p:cSld>
+  <p:clrMapOvr>
+    <a:masterClrMapping/>
+  </p:clrMapOvr>
 </p:sld>
 </file>
 
@@ -36391,13 +36297,17 @@
           <a:p>
             <a:r>
               <a:rPr lang="en-US" dirty="0" smtClean="0"/>
-              <a:t>Keyboard Emulation</a:t>
+              <a:t>Keyboard </a:t>
+            </a:r>
+            <a:r>
+              <a:rPr lang="en-US" dirty="0" smtClean="0"/>
+              <a:t>Emulation</a:t>
             </a:r>
           </a:p>
           <a:p>
             <a:r>
               <a:rPr lang="en-US" dirty="0" smtClean="0"/>
-              <a:t>Punish an Intern</a:t>
+              <a:t>Brute Force the UI</a:t>
             </a:r>
             <a:endParaRPr lang="en-US" dirty="0"/>
           </a:p>
@@ -36442,7 +36352,7 @@
       </p:grpSpPr>
       <p:sp>
         <p:nvSpPr>
-          <p:cNvPr id="2" name="Title 1"/>
+          <p:cNvPr id="4" name="Title 3"/>
           <p:cNvSpPr>
             <a:spLocks noGrp="1"/>
           </p:cNvSpPr>
@@ -36457,7 +36367,7 @@
           <a:p>
             <a:r>
               <a:rPr lang="en-US" dirty="0" smtClean="0"/>
-              <a:t>Jailbreak and Crack</a:t>
+              <a:t>PIN Cracking Now</a:t>
             </a:r>
             <a:endParaRPr lang="en-US" dirty="0"/>
           </a:p>
@@ -36465,7 +36375,7 @@
       </p:sp>
       <p:sp>
         <p:nvSpPr>
-          <p:cNvPr id="3" name="Content Placeholder 2"/>
+          <p:cNvPr id="7" name="Content Placeholder 6"/>
           <p:cNvSpPr>
             <a:spLocks noGrp="1"/>
           </p:cNvSpPr>
@@ -36480,143 +36390,56 @@
           <a:p>
             <a:r>
               <a:rPr lang="en-US" dirty="0" smtClean="0"/>
-              <a:t>Use </a:t>
-            </a:r>
-            <a:r>
-              <a:rPr lang="en-US" dirty="0" err="1" smtClean="0"/>
-              <a:t>jailbreaking</a:t>
-            </a:r>
-            <a:r>
-              <a:rPr lang="en-US" dirty="0" smtClean="0"/>
-              <a:t>/rooting exploits on the device</a:t>
+              <a:t>Jailbreak and Crack</a:t>
             </a:r>
           </a:p>
           <a:p>
             <a:r>
               <a:rPr lang="en-US" dirty="0" smtClean="0"/>
-              <a:t>Bypass the lock screen with these new user capabilities </a:t>
+              <a:t>Keyboard </a:t>
+            </a:r>
+            <a:r>
+              <a:rPr lang="en-US" dirty="0" smtClean="0"/>
+              <a:t>Emulation</a:t>
             </a:r>
           </a:p>
           <a:p>
             <a:r>
-              <a:rPr lang="en-US" b="1" dirty="0" smtClean="0"/>
-              <a:t>Problem:</a:t>
+              <a:rPr lang="en-US" dirty="0" smtClean="0"/>
+              <a:t>Brute Force the UI</a:t>
             </a:r>
+            <a:endParaRPr lang="en-US" dirty="0" smtClean="0"/>
+          </a:p>
+          <a:p>
             <a:r>
               <a:rPr lang="en-US" dirty="0" smtClean="0"/>
-              <a:t> not all devices have known exploits for gaining root (and without wiping the device)</a:t>
+              <a:t>Punish an Intern</a:t>
             </a:r>
-            <a:endParaRPr lang="en-US" b="1" dirty="0" smtClean="0"/>
+            <a:endParaRPr lang="en-US" dirty="0"/>
           </a:p>
         </p:txBody>
       </p:sp>
     </p:spTree>
     <p:extLst>
       <p:ext uri="{BB962C8B-B14F-4D97-AF65-F5344CB8AC3E}">
-        <p14:creationId xmlns:p14="http://schemas.microsoft.com/office/powerpoint/2010/main" val="2284856238"/>
+        <p14:creationId xmlns:p14="http://schemas.microsoft.com/office/powerpoint/2010/main" val="226778814"/>
       </p:ext>
     </p:extLst>
   </p:cSld>
   <p:clrMapOvr>
     <a:masterClrMapping/>
   </p:clrMapOvr>
+  <p:timing>
+    <p:tnLst>
+      <p:par>
+        <p:cTn id="1" dur="indefinite" restart="never" nodeType="tmRoot"/>
+      </p:par>
+    </p:tnLst>
+  </p:timing>
 </p:sld>
 </file>
 
 <file path=ppt/slides/slide6.xml><?xml version="1.0" encoding="utf-8"?>
-<p:sld xmlns:a="http://schemas.openxmlformats.org/drawingml/2006/main" xmlns:r="http://schemas.openxmlformats.org/officeDocument/2006/relationships" xmlns:p="http://schemas.openxmlformats.org/presentationml/2006/main">
-  <p:cSld>
-    <p:spTree>
-      <p:nvGrpSpPr>
-        <p:cNvPr id="1" name=""/>
-        <p:cNvGrpSpPr/>
-        <p:nvPr/>
-      </p:nvGrpSpPr>
-      <p:grpSpPr>
-        <a:xfrm>
-          <a:off x="0" y="0"/>
-          <a:ext cx="0" cy="0"/>
-          <a:chOff x="0" y="0"/>
-          <a:chExt cx="0" cy="0"/>
-        </a:xfrm>
-      </p:grpSpPr>
-      <p:sp>
-        <p:nvSpPr>
-          <p:cNvPr id="2" name="Title 1"/>
-          <p:cNvSpPr>
-            <a:spLocks noGrp="1"/>
-          </p:cNvSpPr>
-          <p:nvPr>
-            <p:ph type="title"/>
-          </p:nvPr>
-        </p:nvSpPr>
-        <p:spPr/>
-        <p:txBody>
-          <a:bodyPr/>
-          <a:lstStyle/>
-          <a:p>
-            <a:r>
-              <a:rPr lang="en-US" dirty="0" smtClean="0"/>
-              <a:t>Keyboard Emulation</a:t>
-            </a:r>
-            <a:endParaRPr lang="en-US" dirty="0"/>
-          </a:p>
-        </p:txBody>
-      </p:sp>
-      <p:sp>
-        <p:nvSpPr>
-          <p:cNvPr id="3" name="Content Placeholder 2"/>
-          <p:cNvSpPr>
-            <a:spLocks noGrp="1"/>
-          </p:cNvSpPr>
-          <p:nvPr>
-            <p:ph sz="quarter" idx="13"/>
-          </p:nvPr>
-        </p:nvSpPr>
-        <p:spPr/>
-        <p:txBody>
-          <a:bodyPr/>
-          <a:lstStyle/>
-          <a:p>
-            <a:r>
-              <a:rPr lang="en-US" dirty="0" smtClean="0"/>
-              <a:t>If the device supports a keyboard attachment</a:t>
-            </a:r>
-          </a:p>
-          <a:p>
-            <a:pPr lvl="1"/>
-            <a:r>
-              <a:rPr lang="en-US" dirty="0" smtClean="0"/>
-              <a:t>Make a device that emulates a keyboard and tries all the different PIN combinations automatically</a:t>
-            </a:r>
-          </a:p>
-          <a:p>
-            <a:r>
-              <a:rPr lang="en-US" b="1" dirty="0" smtClean="0"/>
-              <a:t>Problem: </a:t>
-            </a:r>
-            <a:r>
-              <a:rPr lang="en-US" dirty="0" smtClean="0"/>
-              <a:t>not all devices support an external keyboard being added</a:t>
-            </a:r>
-            <a:endParaRPr lang="en-US" b="1" dirty="0" smtClean="0"/>
-          </a:p>
-        </p:txBody>
-      </p:sp>
-    </p:spTree>
-    <p:extLst>
-      <p:ext uri="{BB962C8B-B14F-4D97-AF65-F5344CB8AC3E}">
-        <p14:creationId xmlns:p14="http://schemas.microsoft.com/office/powerpoint/2010/main" val="2494205666"/>
-      </p:ext>
-    </p:extLst>
-  </p:cSld>
-  <p:clrMapOvr>
-    <a:masterClrMapping/>
-  </p:clrMapOvr>
-</p:sld>
-</file>
-
-<file path=ppt/slides/slide7.xml><?xml version="1.0" encoding="utf-8"?>
 <p:sld xmlns:a="http://schemas.openxmlformats.org/drawingml/2006/main" xmlns:r="http://schemas.openxmlformats.org/officeDocument/2006/relationships" xmlns:p="http://schemas.openxmlformats.org/presentationml/2006/main">
   <p:cSld>
     <p:spTree>
@@ -36672,27 +36495,43 @@
           <a:lstStyle/>
           <a:p>
             <a:r>
-              <a:rPr lang="en-US" dirty="0" smtClean="0"/>
+              <a:rPr lang="en-US" dirty="0">
+                <a:solidFill>
+                  <a:srgbClr val="000000"/>
+                </a:solidFill>
+              </a:rPr>
               <a:t>Forcing your intern to try all 10,000 4-digit combinations will surely be more productive than anything else they could have been doing, except maybe getting coffee</a:t>
             </a:r>
+            <a:endParaRPr lang="en-US" dirty="0"/>
           </a:p>
           <a:p>
             <a:r>
-              <a:rPr lang="en-US" b="1" dirty="0" smtClean="0"/>
+              <a:rPr lang="en-US" b="1" dirty="0">
+                <a:solidFill>
+                  <a:srgbClr val="000000"/>
+                </a:solidFill>
+              </a:rPr>
               <a:t>Problem: </a:t>
             </a:r>
             <a:r>
-              <a:rPr lang="en-US" dirty="0" smtClean="0"/>
+              <a:rPr lang="en-US" dirty="0">
+                <a:solidFill>
+                  <a:srgbClr val="000000"/>
+                </a:solidFill>
+              </a:rPr>
               <a:t>Interns are universally bad at their jobs, so they might miss some of the combinations</a:t>
             </a:r>
-            <a:endParaRPr lang="en-US" b="1" dirty="0"/>
+            <a:endParaRPr lang="en-US" dirty="0"/>
+          </a:p>
+          <a:p>
+            <a:endParaRPr lang="en-US" dirty="0"/>
           </a:p>
         </p:txBody>
       </p:sp>
     </p:spTree>
     <p:extLst>
       <p:ext uri="{BB962C8B-B14F-4D97-AF65-F5344CB8AC3E}">
-        <p14:creationId xmlns:p14="http://schemas.microsoft.com/office/powerpoint/2010/main" val="341395831"/>
+        <p14:creationId xmlns:p14="http://schemas.microsoft.com/office/powerpoint/2010/main" val="335087534"/>
       </p:ext>
     </p:extLst>
   </p:cSld>
@@ -36702,7 +36541,7 @@
 </p:sld>
 </file>
 
-<file path=ppt/slides/slide8.xml><?xml version="1.0" encoding="utf-8"?>
+<file path=ppt/slides/slide7.xml><?xml version="1.0" encoding="utf-8"?>
 <p:sld xmlns:a="http://schemas.openxmlformats.org/drawingml/2006/main" xmlns:r="http://schemas.openxmlformats.org/officeDocument/2006/relationships" xmlns:p="http://schemas.openxmlformats.org/presentationml/2006/main">
   <p:cSld>
     <p:spTree>
@@ -36799,13 +36638,243 @@
     </p:spTree>
     <p:extLst>
       <p:ext uri="{BB962C8B-B14F-4D97-AF65-F5344CB8AC3E}">
-        <p14:creationId xmlns:p14="http://schemas.microsoft.com/office/powerpoint/2010/main" val="2906790588"/>
+        <p14:creationId xmlns:p14="http://schemas.microsoft.com/office/powerpoint/2010/main" val="2890719212"/>
       </p:ext>
     </p:extLst>
   </p:cSld>
   <p:clrMapOvr>
     <a:masterClrMapping/>
   </p:clrMapOvr>
+</p:sld>
+</file>
+
+<file path=ppt/slides/slide8.xml><?xml version="1.0" encoding="utf-8"?>
+<p:sld xmlns:a="http://schemas.openxmlformats.org/drawingml/2006/main" xmlns:r="http://schemas.openxmlformats.org/officeDocument/2006/relationships" xmlns:p="http://schemas.openxmlformats.org/presentationml/2006/main">
+  <p:cSld>
+    <p:spTree>
+      <p:nvGrpSpPr>
+        <p:cNvPr id="1" name=""/>
+        <p:cNvGrpSpPr/>
+        <p:nvPr/>
+      </p:nvGrpSpPr>
+      <p:grpSpPr>
+        <a:xfrm>
+          <a:off x="0" y="0"/>
+          <a:ext cx="0" cy="0"/>
+          <a:chOff x="0" y="0"/>
+          <a:chExt cx="0" cy="0"/>
+        </a:xfrm>
+      </p:grpSpPr>
+      <p:sp>
+        <p:nvSpPr>
+          <p:cNvPr id="2" name="Title 1"/>
+          <p:cNvSpPr>
+            <a:spLocks noGrp="1"/>
+          </p:cNvSpPr>
+          <p:nvPr>
+            <p:ph type="title"/>
+          </p:nvPr>
+        </p:nvSpPr>
+        <p:spPr/>
+        <p:txBody>
+          <a:bodyPr/>
+          <a:lstStyle/>
+          <a:p>
+            <a:r>
+              <a:rPr lang="en-US" dirty="0" smtClean="0"/>
+              <a:t>Delta Robot</a:t>
+            </a:r>
+            <a:endParaRPr lang="en-US" dirty="0"/>
+          </a:p>
+        </p:txBody>
+      </p:sp>
+      <p:sp>
+        <p:nvSpPr>
+          <p:cNvPr id="3" name="Content Placeholder 2"/>
+          <p:cNvSpPr>
+            <a:spLocks noGrp="1"/>
+          </p:cNvSpPr>
+          <p:nvPr>
+            <p:ph sz="quarter" idx="13"/>
+          </p:nvPr>
+        </p:nvSpPr>
+        <p:spPr>
+          <a:xfrm>
+            <a:off x="457200" y="2362200"/>
+            <a:ext cx="5702300" cy="3200400"/>
+          </a:xfrm>
+        </p:spPr>
+        <p:txBody>
+          <a:bodyPr/>
+          <a:lstStyle/>
+          <a:p>
+            <a:r>
+              <a:rPr lang="en-US" dirty="0" smtClean="0"/>
+              <a:t>Designed for fast precision industrial work</a:t>
+            </a:r>
+          </a:p>
+          <a:p>
+            <a:r>
+              <a:rPr lang="en-US" dirty="0" smtClean="0"/>
+              <a:t>Simple combination of 3 single-motor arms gives precision 3D movement with somewhat small range of motion</a:t>
+            </a:r>
+          </a:p>
+          <a:p>
+            <a:r>
+              <a:rPr lang="en-US" dirty="0" smtClean="0"/>
+              <a:t>Fairly simple motion control</a:t>
+            </a:r>
+            <a:endParaRPr lang="en-US" dirty="0"/>
+          </a:p>
+        </p:txBody>
+      </p:sp>
+      <p:pic>
+        <p:nvPicPr>
+          <p:cNvPr id="1026" name="Picture 2" descr="C:\Users\StandardUser\Pictures\Untitled 1.jpg"/>
+          <p:cNvPicPr>
+            <a:picLocks noChangeAspect="1" noChangeArrowheads="1"/>
+          </p:cNvPicPr>
+          <p:nvPr/>
+        </p:nvPicPr>
+        <p:blipFill rotWithShape="1">
+          <a:blip r:embed="rId2">
+            <a:extLst>
+              <a:ext uri="{28A0092B-C50C-407E-A947-70E740481C1C}">
+                <a14:useLocalDpi xmlns:a14="http://schemas.microsoft.com/office/drawing/2010/main" val="0"/>
+              </a:ext>
+            </a:extLst>
+          </a:blip>
+          <a:srcRect l="13093" t="7407" r="30588" b="49815"/>
+          <a:stretch/>
+        </p:blipFill>
+        <p:spPr bwMode="auto">
+          <a:xfrm>
+            <a:off x="6019800" y="1987550"/>
+            <a:ext cx="2984500" cy="2933700"/>
+          </a:xfrm>
+          <a:prstGeom prst="rect">
+            <a:avLst/>
+          </a:prstGeom>
+          <a:noFill/>
+          <a:extLst>
+            <a:ext uri="{909E8E84-426E-40DD-AFC4-6F175D3DCCD1}">
+              <a14:hiddenFill xmlns:a14="http://schemas.microsoft.com/office/drawing/2010/main">
+                <a:solidFill>
+                  <a:srgbClr val="FFFFFF"/>
+                </a:solidFill>
+              </a14:hiddenFill>
+            </a:ext>
+          </a:extLst>
+        </p:spPr>
+      </p:pic>
+      <p:sp>
+        <p:nvSpPr>
+          <p:cNvPr id="4" name="TextBox 3"/>
+          <p:cNvSpPr txBox="1"/>
+          <p:nvPr/>
+        </p:nvSpPr>
+        <p:spPr>
+          <a:xfrm>
+            <a:off x="8696202" y="1802884"/>
+            <a:ext cx="308098" cy="369332"/>
+          </a:xfrm>
+          <a:prstGeom prst="rect">
+            <a:avLst/>
+          </a:prstGeom>
+          <a:noFill/>
+        </p:spPr>
+        <p:txBody>
+          <a:bodyPr wrap="none" rtlCol="0">
+            <a:spAutoFit/>
+          </a:bodyPr>
+          <a:lstStyle/>
+          <a:p>
+            <a:r>
+              <a:rPr lang="en-US" dirty="0"/>
+              <a:t>*</a:t>
+            </a:r>
+          </a:p>
+        </p:txBody>
+      </p:sp>
+      <p:sp>
+        <p:nvSpPr>
+          <p:cNvPr id="5" name="TextBox 4"/>
+          <p:cNvSpPr txBox="1"/>
+          <p:nvPr/>
+        </p:nvSpPr>
+        <p:spPr>
+          <a:xfrm>
+            <a:off x="457200" y="6098232"/>
+            <a:ext cx="4419600" cy="461665"/>
+          </a:xfrm>
+          <a:prstGeom prst="rect">
+            <a:avLst/>
+          </a:prstGeom>
+          <a:noFill/>
+        </p:spPr>
+        <p:txBody>
+          <a:bodyPr wrap="square" rtlCol="0">
+            <a:spAutoFit/>
+          </a:bodyPr>
+          <a:lstStyle/>
+          <a:p>
+            <a:r>
+              <a:rPr lang="en-US" sz="1200" dirty="0" smtClean="0"/>
+              <a:t>* </a:t>
+            </a:r>
+            <a:r>
+              <a:rPr lang="en-US" sz="1200" b="1" dirty="0" smtClean="0"/>
+              <a:t>Lopez, Castillo, Garcia, and Bashir</a:t>
+            </a:r>
+            <a:r>
+              <a:rPr lang="en-US" sz="1200" b="1" i="1" dirty="0" smtClean="0"/>
+              <a:t>. </a:t>
+            </a:r>
+            <a:r>
+              <a:rPr lang="en-US" sz="1200" i="1" dirty="0" smtClean="0"/>
+              <a:t>Delta robot: inverse, direct, and intermediate </a:t>
+            </a:r>
+            <a:r>
+              <a:rPr lang="en-US" sz="1200" i="1" dirty="0" err="1" smtClean="0"/>
+              <a:t>Jacobians</a:t>
+            </a:r>
+            <a:r>
+              <a:rPr lang="en-US" sz="1200" i="1" dirty="0" smtClean="0"/>
+              <a:t>. </a:t>
+            </a:r>
+            <a:r>
+              <a:rPr lang="en-US" sz="1200" dirty="0" smtClean="0"/>
+              <a:t>Proc. </a:t>
+            </a:r>
+            <a:r>
+              <a:rPr lang="en-US" sz="1200" dirty="0" err="1" smtClean="0"/>
+              <a:t>IMechE</a:t>
+            </a:r>
+            <a:r>
+              <a:rPr lang="en-US" sz="1200" dirty="0" smtClean="0"/>
+              <a:t> Vol.220(2006)</a:t>
+            </a:r>
+            <a:endParaRPr lang="en-US" sz="1200" dirty="0"/>
+          </a:p>
+        </p:txBody>
+      </p:sp>
+    </p:spTree>
+    <p:extLst>
+      <p:ext uri="{BB962C8B-B14F-4D97-AF65-F5344CB8AC3E}">
+        <p14:creationId xmlns:p14="http://schemas.microsoft.com/office/powerpoint/2010/main" val="4149327361"/>
+      </p:ext>
+    </p:extLst>
+  </p:cSld>
+  <p:clrMapOvr>
+    <a:masterClrMapping/>
+  </p:clrMapOvr>
+  <p:timing>
+    <p:tnLst>
+      <p:par>
+        <p:cTn id="1" dur="indefinite" restart="never" nodeType="tmRoot"/>
+      </p:par>
+    </p:tnLst>
+  </p:timing>
 </p:sld>
 </file>
 
@@ -36839,69 +36908,199 @@
         <p:spPr/>
         <p:txBody>
           <a:bodyPr>
-            <a:noAutofit/>
+            <a:normAutofit/>
           </a:bodyPr>
           <a:lstStyle/>
           <a:p>
             <a:r>
-              <a:rPr lang="en-US" sz="3200" dirty="0" smtClean="0"/>
-              <a:t>Robotic Reconfigurable Button Basher (R2B2) </a:t>
+              <a:rPr lang="en-US" dirty="0" smtClean="0"/>
+              <a:t>Still a lot of </a:t>
             </a:r>
-            <a:endParaRPr lang="en-US" sz="3200" dirty="0"/>
-          </a:p>
-        </p:txBody>
-      </p:sp>
-      <p:sp>
-        <p:nvSpPr>
-          <p:cNvPr id="3" name="Content Placeholder 2"/>
-          <p:cNvSpPr>
-            <a:spLocks noGrp="1"/>
-          </p:cNvSpPr>
-          <p:nvPr>
-            <p:ph sz="quarter" idx="13"/>
-          </p:nvPr>
-        </p:nvSpPr>
-        <p:spPr/>
-        <p:txBody>
-          <a:bodyPr/>
-          <a:lstStyle/>
-          <a:p>
-            <a:r>
-              <a:rPr lang="en-US" dirty="0" smtClean="0"/>
-              <a:t>Homemade Delta Robot body</a:t>
-            </a:r>
-          </a:p>
-          <a:p>
             <a:r>
               <a:rPr lang="en-US" dirty="0" err="1" smtClean="0"/>
-              <a:t>Arduino</a:t>
+              <a:t>maths</a:t>
             </a:r>
             <a:r>
               <a:rPr lang="en-US" dirty="0" smtClean="0"/>
-              <a:t> Uno brain</a:t>
+              <a:t>…</a:t>
             </a:r>
-          </a:p>
-          <a:p>
-            <a:r>
-              <a:rPr lang="en-US" dirty="0" smtClean="0"/>
-              <a:t>Total cost: &lt; $200</a:t>
-            </a:r>
-          </a:p>
-          <a:p>
             <a:endParaRPr lang="en-US" dirty="0"/>
           </a:p>
         </p:txBody>
       </p:sp>
+      <p:pic>
+        <p:nvPicPr>
+          <p:cNvPr id="2050" name="Picture 2" descr="C:\Users\StandardUser\Pictures\Untitled 3.jpg"/>
+          <p:cNvPicPr>
+            <a:picLocks noChangeAspect="1" noChangeArrowheads="1"/>
+          </p:cNvPicPr>
+          <p:nvPr/>
+        </p:nvPicPr>
+        <p:blipFill rotWithShape="1">
+          <a:blip r:embed="rId2">
+            <a:extLst>
+              <a:ext uri="{28A0092B-C50C-407E-A947-70E740481C1C}">
+                <a14:useLocalDpi xmlns:a14="http://schemas.microsoft.com/office/drawing/2010/main" val="0"/>
+              </a:ext>
+            </a:extLst>
+          </a:blip>
+          <a:srcRect l="23399" t="42593" r="18845" b="40185"/>
+          <a:stretch/>
+        </p:blipFill>
+        <p:spPr bwMode="auto">
+          <a:xfrm>
+            <a:off x="609600" y="2717800"/>
+            <a:ext cx="3060700" cy="1181100"/>
+          </a:xfrm>
+          <a:prstGeom prst="rect">
+            <a:avLst/>
+          </a:prstGeom>
+          <a:noFill/>
+          <a:extLst>
+            <a:ext uri="{909E8E84-426E-40DD-AFC4-6F175D3DCCD1}">
+              <a14:hiddenFill xmlns:a14="http://schemas.microsoft.com/office/drawing/2010/main">
+                <a:solidFill>
+                  <a:srgbClr val="FFFFFF"/>
+                </a:solidFill>
+              </a14:hiddenFill>
+            </a:ext>
+          </a:extLst>
+        </p:spPr>
+      </p:pic>
+      <p:pic>
+        <p:nvPicPr>
+          <p:cNvPr id="2051" name="Picture 3" descr="C:\Users\StandardUser\Pictures\Untitled 4.jpg"/>
+          <p:cNvPicPr>
+            <a:picLocks noChangeAspect="1" noChangeArrowheads="1"/>
+          </p:cNvPicPr>
+          <p:nvPr/>
+        </p:nvPicPr>
+        <p:blipFill rotWithShape="1">
+          <a:blip r:embed="rId3">
+            <a:extLst>
+              <a:ext uri="{28A0092B-C50C-407E-A947-70E740481C1C}">
+                <a14:useLocalDpi xmlns:a14="http://schemas.microsoft.com/office/drawing/2010/main" val="0"/>
+              </a:ext>
+            </a:extLst>
+          </a:blip>
+          <a:srcRect l="19325" t="40000" r="19085" b="36112"/>
+          <a:stretch/>
+        </p:blipFill>
+        <p:spPr bwMode="auto">
+          <a:xfrm>
+            <a:off x="3962400" y="3981450"/>
+            <a:ext cx="3263900" cy="1638300"/>
+          </a:xfrm>
+          <a:prstGeom prst="rect">
+            <a:avLst/>
+          </a:prstGeom>
+          <a:noFill/>
+          <a:extLst>
+            <a:ext uri="{909E8E84-426E-40DD-AFC4-6F175D3DCCD1}">
+              <a14:hiddenFill xmlns:a14="http://schemas.microsoft.com/office/drawing/2010/main">
+                <a:solidFill>
+                  <a:srgbClr val="FFFFFF"/>
+                </a:solidFill>
+              </a14:hiddenFill>
+            </a:ext>
+          </a:extLst>
+        </p:spPr>
+      </p:pic>
+      <p:pic>
+        <p:nvPicPr>
+          <p:cNvPr id="2052" name="Picture 4" descr="C:\Users\StandardUser\Pictures\Untitled 5.jpg"/>
+          <p:cNvPicPr>
+            <a:picLocks noChangeAspect="1" noChangeArrowheads="1"/>
+          </p:cNvPicPr>
+          <p:nvPr/>
+        </p:nvPicPr>
+        <p:blipFill rotWithShape="1">
+          <a:blip r:embed="rId4">
+            <a:extLst>
+              <a:ext uri="{28A0092B-C50C-407E-A947-70E740481C1C}">
+                <a14:useLocalDpi xmlns:a14="http://schemas.microsoft.com/office/drawing/2010/main" val="0"/>
+              </a:ext>
+            </a:extLst>
+          </a:blip>
+          <a:srcRect l="22680" t="42408" r="22919" b="41296"/>
+          <a:stretch/>
+        </p:blipFill>
+        <p:spPr bwMode="auto">
+          <a:xfrm>
+            <a:off x="609600" y="4343400"/>
+            <a:ext cx="2882900" cy="1117600"/>
+          </a:xfrm>
+          <a:prstGeom prst="rect">
+            <a:avLst/>
+          </a:prstGeom>
+          <a:noFill/>
+          <a:extLst>
+            <a:ext uri="{909E8E84-426E-40DD-AFC4-6F175D3DCCD1}">
+              <a14:hiddenFill xmlns:a14="http://schemas.microsoft.com/office/drawing/2010/main">
+                <a:solidFill>
+                  <a:srgbClr val="FFFFFF"/>
+                </a:solidFill>
+              </a14:hiddenFill>
+            </a:ext>
+          </a:extLst>
+        </p:spPr>
+      </p:pic>
+      <p:pic>
+        <p:nvPicPr>
+          <p:cNvPr id="2053" name="Picture 5" descr="C:\Users\StandardUser\Pictures\Untitled 2.jpg"/>
+          <p:cNvPicPr>
+            <a:picLocks noChangeAspect="1" noChangeArrowheads="1"/>
+          </p:cNvPicPr>
+          <p:nvPr/>
+        </p:nvPicPr>
+        <p:blipFill rotWithShape="1">
+          <a:blip r:embed="rId5">
+            <a:extLst>
+              <a:ext uri="{28A0092B-C50C-407E-A947-70E740481C1C}">
+                <a14:useLocalDpi xmlns:a14="http://schemas.microsoft.com/office/drawing/2010/main" val="0"/>
+              </a:ext>
+            </a:extLst>
+          </a:blip>
+          <a:srcRect l="9260" t="14815" r="35141" b="59074"/>
+          <a:stretch/>
+        </p:blipFill>
+        <p:spPr bwMode="auto">
+          <a:xfrm>
+            <a:off x="4292600" y="2108200"/>
+            <a:ext cx="2946400" cy="1790700"/>
+          </a:xfrm>
+          <a:prstGeom prst="rect">
+            <a:avLst/>
+          </a:prstGeom>
+          <a:noFill/>
+          <a:extLst>
+            <a:ext uri="{909E8E84-426E-40DD-AFC4-6F175D3DCCD1}">
+              <a14:hiddenFill xmlns:a14="http://schemas.microsoft.com/office/drawing/2010/main">
+                <a:solidFill>
+                  <a:srgbClr val="FFFFFF"/>
+                </a:solidFill>
+              </a14:hiddenFill>
+            </a:ext>
+          </a:extLst>
+        </p:spPr>
+      </p:pic>
     </p:spTree>
     <p:extLst>
       <p:ext uri="{BB962C8B-B14F-4D97-AF65-F5344CB8AC3E}">
-        <p14:creationId xmlns:p14="http://schemas.microsoft.com/office/powerpoint/2010/main" val="3826332642"/>
+        <p14:creationId xmlns:p14="http://schemas.microsoft.com/office/powerpoint/2010/main" val="2786815531"/>
       </p:ext>
     </p:extLst>
   </p:cSld>
   <p:clrMapOvr>
     <a:masterClrMapping/>
   </p:clrMapOvr>
+  <p:timing>
+    <p:tnLst>
+      <p:par>
+        <p:cTn id="1" dur="indefinite" restart="never" nodeType="tmRoot"/>
+      </p:par>
+    </p:tnLst>
+  </p:timing>
 </p:sld>
 </file>
 

--- a/Automated PIN Cracking.pptx
+++ b/Automated PIN Cracking.pptx
@@ -30189,11 +30189,11 @@
         </c:dLbls>
         <c:marker val="1"/>
         <c:smooth val="0"/>
-        <c:axId val="78894592"/>
-        <c:axId val="135847232"/>
+        <c:axId val="113741312"/>
+        <c:axId val="75383360"/>
       </c:lineChart>
       <c:catAx>
-        <c:axId val="78894592"/>
+        <c:axId val="113741312"/>
         <c:scaling>
           <c:orientation val="minMax"/>
         </c:scaling>
@@ -30220,14 +30220,13 @@
               </a:p>
             </c:rich>
           </c:tx>
-          <c:layout/>
           <c:overlay val="0"/>
         </c:title>
         <c:numFmt formatCode="General" sourceLinked="1"/>
         <c:majorTickMark val="in"/>
         <c:minorTickMark val="none"/>
         <c:tickLblPos val="nextTo"/>
-        <c:crossAx val="135847232"/>
+        <c:crossAx val="75383360"/>
         <c:crosses val="autoZero"/>
         <c:auto val="1"/>
         <c:lblAlgn val="ctr"/>
@@ -30237,7 +30236,7 @@
         <c:noMultiLvlLbl val="0"/>
       </c:catAx>
       <c:valAx>
-        <c:axId val="135847232"/>
+        <c:axId val="75383360"/>
         <c:scaling>
           <c:orientation val="minMax"/>
           <c:max val="1"/>
@@ -30266,14 +30265,13 @@
               </a:p>
             </c:rich>
           </c:tx>
-          <c:layout/>
           <c:overlay val="0"/>
         </c:title>
         <c:numFmt formatCode="General" sourceLinked="1"/>
         <c:majorTickMark val="out"/>
         <c:minorTickMark val="none"/>
         <c:tickLblPos val="nextTo"/>
-        <c:crossAx val="78894592"/>
+        <c:crossAx val="113741312"/>
         <c:crosses val="autoZero"/>
         <c:crossBetween val="between"/>
       </c:valAx>
@@ -30644,7 +30642,7 @@
           <a:p>
             <a:fld id="{554E34B3-E155-47E4-AF6E-B183099F8DE6}" type="datetimeFigureOut">
               <a:rPr lang="en-US" smtClean="0"/>
-              <a:t>8/2/2013</a:t>
+              <a:t>8/3/2013</a:t>
             </a:fld>
             <a:endParaRPr lang="en-US"/>
           </a:p>
@@ -31285,7 +31283,7 @@
           <a:p>
             <a:fld id="{DAA86936-E1A1-4365-85F9-CA67DE8D6AE3}" type="datetimeFigureOut">
               <a:rPr lang="en-US" smtClean="0"/>
-              <a:t>8/2/2013</a:t>
+              <a:t>8/3/2013</a:t>
             </a:fld>
             <a:endParaRPr lang="en-US"/>
           </a:p>
@@ -31490,7 +31488,7 @@
           <a:p>
             <a:fld id="{DAA86936-E1A1-4365-85F9-CA67DE8D6AE3}" type="datetimeFigureOut">
               <a:rPr lang="en-US" smtClean="0"/>
-              <a:t>8/2/2013</a:t>
+              <a:t>8/3/2013</a:t>
             </a:fld>
             <a:endParaRPr lang="en-US"/>
           </a:p>
@@ -31759,7 +31757,7 @@
           <a:p>
             <a:fld id="{DAA86936-E1A1-4365-85F9-CA67DE8D6AE3}" type="datetimeFigureOut">
               <a:rPr lang="en-US" smtClean="0"/>
-              <a:t>8/2/2013</a:t>
+              <a:t>8/3/2013</a:t>
             </a:fld>
             <a:endParaRPr lang="en-US"/>
           </a:p>
@@ -32149,7 +32147,7 @@
           <a:p>
             <a:fld id="{DAA86936-E1A1-4365-85F9-CA67DE8D6AE3}" type="datetimeFigureOut">
               <a:rPr lang="en-US" smtClean="0"/>
-              <a:t>8/2/2013</a:t>
+              <a:t>8/3/2013</a:t>
             </a:fld>
             <a:endParaRPr lang="en-US"/>
           </a:p>
@@ -33320,7 +33318,7 @@
           <a:p>
             <a:fld id="{DAA86936-E1A1-4365-85F9-CA67DE8D6AE3}" type="datetimeFigureOut">
               <a:rPr lang="en-US" smtClean="0"/>
-              <a:t>8/2/2013</a:t>
+              <a:t>8/3/2013</a:t>
             </a:fld>
             <a:endParaRPr lang="en-US"/>
           </a:p>
@@ -33820,6 +33818,10 @@
                 <a:spcPts val="0"/>
               </a:spcBef>
             </a:pPr>
+            <a:r>
+              <a:rPr lang="en-US" sz="1800" dirty="0" smtClean="0"/>
+              <a:t>R2B2 and C3B0</a:t>
+            </a:r>
             <a:endParaRPr lang="en-US" sz="1800" dirty="0"/>
           </a:p>
         </p:txBody>
@@ -33841,9 +33843,18 @@
           <a:p>
             <a:r>
               <a:rPr lang="en-US" dirty="0" smtClean="0"/>
-              <a:t>Justin Engler	Paul Vines</a:t>
+              <a:t>Justin Engler	Paul </a:t>
             </a:r>
-            <a:endParaRPr lang="en-US" dirty="0"/>
+            <a:r>
+              <a:rPr lang="en-US" dirty="0" smtClean="0"/>
+              <a:t>Vines</a:t>
+            </a:r>
+          </a:p>
+          <a:p>
+            <a:r>
+              <a:rPr lang="en-US" dirty="0" smtClean="0"/>
+              <a:t>Senior Security Engineer	Security Engineering Intern</a:t>
+            </a:r>
           </a:p>
         </p:txBody>
       </p:sp>
@@ -34328,11 +34339,7 @@
           <a:p>
             <a:r>
               <a:rPr lang="en-US" dirty="0" smtClean="0"/>
-              <a:t>The original delta robot kit was modified to have its tool be a touch-screen stylus tip for pressing </a:t>
-            </a:r>
-            <a:r>
-              <a:rPr lang="en-US" dirty="0" smtClean="0"/>
-              <a:t>buttons</a:t>
+              <a:t>The original delta robot kit was modified to have its tool be a touch-screen stylus tip for pressing buttons</a:t>
             </a:r>
           </a:p>
           <a:p>
@@ -34687,7 +34694,6 @@
               <a:rPr lang="en-US" dirty="0" smtClean="0"/>
               <a:t>Doesn’t work.</a:t>
             </a:r>
-            <a:endParaRPr lang="en-US" dirty="0" smtClean="0"/>
           </a:p>
         </p:txBody>
       </p:sp>
@@ -34822,13 +34828,8 @@
             </a:r>
             <a:r>
               <a:rPr lang="en-US" dirty="0" smtClean="0"/>
-              <a:t> (danielamitay.com) phone app PIN </a:t>
+              <a:t> (danielamitay.com) phone app PIN list</a:t>
             </a:r>
-            <a:r>
-              <a:rPr lang="en-US" dirty="0" smtClean="0"/>
-              <a:t>list</a:t>
-            </a:r>
-            <a:endParaRPr lang="en-US" dirty="0" smtClean="0"/>
           </a:p>
         </p:txBody>
       </p:sp>
@@ -36297,11 +36298,7 @@
           <a:p>
             <a:r>
               <a:rPr lang="en-US" dirty="0" smtClean="0"/>
-              <a:t>Keyboard </a:t>
-            </a:r>
-            <a:r>
-              <a:rPr lang="en-US" dirty="0" smtClean="0"/>
-              <a:t>Emulation</a:t>
+              <a:t>Keyboard Emulation</a:t>
             </a:r>
           </a:p>
           <a:p>
@@ -36396,11 +36393,7 @@
           <a:p>
             <a:r>
               <a:rPr lang="en-US" dirty="0" smtClean="0"/>
-              <a:t>Keyboard </a:t>
-            </a:r>
-            <a:r>
-              <a:rPr lang="en-US" dirty="0" smtClean="0"/>
-              <a:t>Emulation</a:t>
+              <a:t>Keyboard Emulation</a:t>
             </a:r>
           </a:p>
           <a:p>
@@ -36408,7 +36401,6 @@
               <a:rPr lang="en-US" dirty="0" smtClean="0"/>
               <a:t>Brute Force the UI</a:t>
             </a:r>
-            <a:endParaRPr lang="en-US" dirty="0" smtClean="0"/>
           </a:p>
           <a:p>
             <a:r>
